--- a/GraphQL-LNL.pptx
+++ b/GraphQL-LNL.pptx
@@ -6,23 +6,28 @@
   </p:sldMasterIdLst>
   <p:sldIdLst>
     <p:sldId id="256" r:id="rId2"/>
-    <p:sldId id="272" r:id="rId3"/>
-    <p:sldId id="273" r:id="rId4"/>
-    <p:sldId id="268" r:id="rId5"/>
-    <p:sldId id="271" r:id="rId6"/>
-    <p:sldId id="274" r:id="rId7"/>
-    <p:sldId id="278" r:id="rId8"/>
-    <p:sldId id="275" r:id="rId9"/>
-    <p:sldId id="276" r:id="rId10"/>
-    <p:sldId id="277" r:id="rId11"/>
-    <p:sldId id="279" r:id="rId12"/>
-    <p:sldId id="281" r:id="rId13"/>
-    <p:sldId id="280" r:id="rId14"/>
-    <p:sldId id="282" r:id="rId15"/>
-    <p:sldId id="283" r:id="rId16"/>
-    <p:sldId id="284" r:id="rId17"/>
-    <p:sldId id="285" r:id="rId18"/>
-    <p:sldId id="286" r:id="rId19"/>
+    <p:sldId id="291" r:id="rId3"/>
+    <p:sldId id="272" r:id="rId4"/>
+    <p:sldId id="273" r:id="rId5"/>
+    <p:sldId id="268" r:id="rId6"/>
+    <p:sldId id="288" r:id="rId7"/>
+    <p:sldId id="271" r:id="rId8"/>
+    <p:sldId id="290" r:id="rId9"/>
+    <p:sldId id="274" r:id="rId10"/>
+    <p:sldId id="278" r:id="rId11"/>
+    <p:sldId id="275" r:id="rId12"/>
+    <p:sldId id="276" r:id="rId13"/>
+    <p:sldId id="287" r:id="rId14"/>
+    <p:sldId id="279" r:id="rId15"/>
+    <p:sldId id="281" r:id="rId16"/>
+    <p:sldId id="292" r:id="rId17"/>
+    <p:sldId id="280" r:id="rId18"/>
+    <p:sldId id="289" r:id="rId19"/>
+    <p:sldId id="282" r:id="rId20"/>
+    <p:sldId id="283" r:id="rId21"/>
+    <p:sldId id="284" r:id="rId22"/>
+    <p:sldId id="285" r:id="rId23"/>
+    <p:sldId id="286" r:id="rId24"/>
   </p:sldIdLst>
   <p:sldSz cx="12192000" cy="6858000"/>
   <p:notesSz cx="6858000" cy="9144000"/>
@@ -3194,81 +3199,34 @@
           <a:chExt cx="0" cy="0"/>
         </a:xfrm>
       </p:grpSpPr>
-      <p:sp>
-        <p:nvSpPr>
-          <p:cNvPr id="3" name="Subtitle 2"/>
-          <p:cNvSpPr>
-            <a:spLocks noGrp="1"/>
-          </p:cNvSpPr>
-          <p:nvPr>
-            <p:ph type="subTitle" idx="1"/>
-          </p:nvPr>
-        </p:nvSpPr>
+      <p:pic>
+        <p:nvPicPr>
+          <p:cNvPr id="4" name="Picture 3"/>
+          <p:cNvPicPr>
+            <a:picLocks noChangeAspect="1"/>
+          </p:cNvPicPr>
+          <p:nvPr/>
+        </p:nvPicPr>
+        <p:blipFill>
+          <a:blip r:embed="rId2"/>
+          <a:stretch>
+            <a:fillRect/>
+          </a:stretch>
+        </p:blipFill>
         <p:spPr>
           <a:xfrm>
-            <a:off x="285008" y="2458522"/>
-            <a:ext cx="11621984" cy="1940956"/>
+            <a:off x="0" y="1284307"/>
+            <a:ext cx="12192000" cy="4289386"/>
           </a:xfrm>
+          <a:prstGeom prst="rect">
+            <a:avLst/>
+          </a:prstGeom>
         </p:spPr>
-        <p:txBody>
-          <a:bodyPr>
-            <a:normAutofit fontScale="77500" lnSpcReduction="20000"/>
-          </a:bodyPr>
-          <a:lstStyle/>
-          <a:p>
-            <a:pPr>
-              <a:lnSpc>
-                <a:spcPct val="120000"/>
-              </a:lnSpc>
-            </a:pPr>
-            <a:r>
-              <a:rPr lang="en-US" sz="6600" dirty="0" smtClean="0">
-                <a:solidFill>
-                  <a:srgbClr val="FFC153"/>
-                </a:solidFill>
-                <a:latin typeface="Roboto Mono for Powerline" charset="0"/>
-                <a:ea typeface="Roboto Mono for Powerline" charset="0"/>
-                <a:cs typeface="Roboto Mono for Powerline" charset="0"/>
-              </a:rPr>
-              <a:t>With </a:t>
-            </a:r>
-            <a:r>
-              <a:rPr lang="en-US" sz="6600" dirty="0" err="1" smtClean="0">
-                <a:solidFill>
-                  <a:srgbClr val="FFC153"/>
-                </a:solidFill>
-                <a:latin typeface="Roboto Mono for Powerline" charset="0"/>
-                <a:ea typeface="Roboto Mono for Powerline" charset="0"/>
-                <a:cs typeface="Roboto Mono for Powerline" charset="0"/>
-              </a:rPr>
-              <a:t>GraphQL</a:t>
-            </a:r>
-            <a:r>
-              <a:rPr lang="en-US" sz="6600" dirty="0" smtClean="0">
-                <a:solidFill>
-                  <a:srgbClr val="FFC153"/>
-                </a:solidFill>
-                <a:latin typeface="Roboto Mono for Powerline" charset="0"/>
-                <a:ea typeface="Roboto Mono for Powerline" charset="0"/>
-                <a:cs typeface="Roboto Mono for Powerline" charset="0"/>
-              </a:rPr>
-              <a:t> you always ask for exactly what you need</a:t>
-            </a:r>
-            <a:endParaRPr lang="en-US" sz="6600" dirty="0" smtClean="0">
-              <a:solidFill>
-                <a:srgbClr val="FFC153"/>
-              </a:solidFill>
-              <a:latin typeface="Roboto Mono for Powerline" charset="0"/>
-              <a:ea typeface="Roboto Mono for Powerline" charset="0"/>
-              <a:cs typeface="Roboto Mono for Powerline" charset="0"/>
-            </a:endParaRPr>
-          </a:p>
-        </p:txBody>
-      </p:sp>
+      </p:pic>
     </p:spTree>
     <p:extLst>
       <p:ext uri="{BB962C8B-B14F-4D97-AF65-F5344CB8AC3E}">
-        <p14:creationId xmlns:p14="http://schemas.microsoft.com/office/powerpoint/2010/main" val="703828179"/>
+        <p14:creationId xmlns:p14="http://schemas.microsoft.com/office/powerpoint/2010/main" val="702017381"/>
       </p:ext>
     </p:extLst>
   </p:cSld>
@@ -3286,6 +3244,983 @@
 </file>
 
 <file path=ppt/slides/slide11.xml><?xml version="1.0" encoding="utf-8"?>
+<p:sld xmlns:a="http://schemas.openxmlformats.org/drawingml/2006/main" xmlns:r="http://schemas.openxmlformats.org/officeDocument/2006/relationships" xmlns:p="http://schemas.openxmlformats.org/presentationml/2006/main">
+  <p:cSld>
+    <p:bg>
+      <p:bgPr>
+        <a:solidFill>
+          <a:srgbClr val="1C2021"/>
+        </a:solidFill>
+        <a:effectLst/>
+      </p:bgPr>
+    </p:bg>
+    <p:spTree>
+      <p:nvGrpSpPr>
+        <p:cNvPr id="1" name=""/>
+        <p:cNvGrpSpPr/>
+        <p:nvPr/>
+      </p:nvGrpSpPr>
+      <p:grpSpPr>
+        <a:xfrm>
+          <a:off x="0" y="0"/>
+          <a:ext cx="0" cy="0"/>
+          <a:chOff x="0" y="0"/>
+          <a:chExt cx="0" cy="0"/>
+        </a:xfrm>
+      </p:grpSpPr>
+      <p:sp>
+        <p:nvSpPr>
+          <p:cNvPr id="3" name="Subtitle 2"/>
+          <p:cNvSpPr>
+            <a:spLocks noGrp="1"/>
+          </p:cNvSpPr>
+          <p:nvPr>
+            <p:ph type="subTitle" idx="1"/>
+          </p:nvPr>
+        </p:nvSpPr>
+        <p:spPr>
+          <a:xfrm>
+            <a:off x="285008" y="558470"/>
+            <a:ext cx="11621984" cy="961572"/>
+          </a:xfrm>
+        </p:spPr>
+        <p:txBody>
+          <a:bodyPr>
+            <a:normAutofit lnSpcReduction="10000"/>
+          </a:bodyPr>
+          <a:lstStyle/>
+          <a:p>
+            <a:r>
+              <a:rPr lang="en-US" sz="6600" smtClean="0">
+                <a:solidFill>
+                  <a:srgbClr val="FFC153"/>
+                </a:solidFill>
+                <a:latin typeface="Roboto Mono for Powerline" charset="0"/>
+                <a:ea typeface="Roboto Mono for Powerline" charset="0"/>
+                <a:cs typeface="Roboto Mono for Powerline" charset="0"/>
+              </a:rPr>
+              <a:t>Goodbye Monolith</a:t>
+            </a:r>
+            <a:endParaRPr lang="en-US" sz="6600" dirty="0" smtClean="0">
+              <a:solidFill>
+                <a:srgbClr val="FFC153"/>
+              </a:solidFill>
+              <a:latin typeface="Roboto Mono for Powerline" charset="0"/>
+              <a:ea typeface="Roboto Mono for Powerline" charset="0"/>
+              <a:cs typeface="Roboto Mono for Powerline" charset="0"/>
+            </a:endParaRPr>
+          </a:p>
+        </p:txBody>
+      </p:sp>
+      <p:sp>
+        <p:nvSpPr>
+          <p:cNvPr id="4" name="Subtitle 2"/>
+          <p:cNvSpPr txBox="1">
+            <a:spLocks/>
+          </p:cNvSpPr>
+          <p:nvPr/>
+        </p:nvSpPr>
+        <p:spPr>
+          <a:xfrm>
+            <a:off x="285008" y="1839026"/>
+            <a:ext cx="6816436" cy="4526148"/>
+          </a:xfrm>
+          <a:prstGeom prst="rect">
+            <a:avLst/>
+          </a:prstGeom>
+        </p:spPr>
+        <p:txBody>
+          <a:bodyPr vert="horz" lIns="91440" tIns="45720" rIns="91440" bIns="45720" rtlCol="0">
+            <a:normAutofit fontScale="62500" lnSpcReduction="20000"/>
+          </a:bodyPr>
+          <a:lstStyle>
+            <a:lvl1pPr marL="0" indent="0" algn="ctr" defTabSz="914400" rtl="0" eaLnBrk="1" latinLnBrk="0" hangingPunct="1">
+              <a:lnSpc>
+                <a:spcPct val="90000"/>
+              </a:lnSpc>
+              <a:spcBef>
+                <a:spcPts val="1000"/>
+              </a:spcBef>
+              <a:buFont typeface="Arial"/>
+              <a:buNone/>
+              <a:defRPr sz="2400" kern="1200">
+                <a:solidFill>
+                  <a:schemeClr val="tx1"/>
+                </a:solidFill>
+                <a:latin typeface="+mn-lt"/>
+                <a:ea typeface="+mn-ea"/>
+                <a:cs typeface="+mn-cs"/>
+              </a:defRPr>
+            </a:lvl1pPr>
+            <a:lvl2pPr marL="457200" indent="0" algn="ctr" defTabSz="914400" rtl="0" eaLnBrk="1" latinLnBrk="0" hangingPunct="1">
+              <a:lnSpc>
+                <a:spcPct val="90000"/>
+              </a:lnSpc>
+              <a:spcBef>
+                <a:spcPts val="500"/>
+              </a:spcBef>
+              <a:buFont typeface="Arial"/>
+              <a:buNone/>
+              <a:defRPr sz="2000" kern="1200">
+                <a:solidFill>
+                  <a:schemeClr val="tx1"/>
+                </a:solidFill>
+                <a:latin typeface="+mn-lt"/>
+                <a:ea typeface="+mn-ea"/>
+                <a:cs typeface="+mn-cs"/>
+              </a:defRPr>
+            </a:lvl2pPr>
+            <a:lvl3pPr marL="914400" indent="0" algn="ctr" defTabSz="914400" rtl="0" eaLnBrk="1" latinLnBrk="0" hangingPunct="1">
+              <a:lnSpc>
+                <a:spcPct val="90000"/>
+              </a:lnSpc>
+              <a:spcBef>
+                <a:spcPts val="500"/>
+              </a:spcBef>
+              <a:buFont typeface="Arial"/>
+              <a:buNone/>
+              <a:defRPr sz="1800" kern="1200">
+                <a:solidFill>
+                  <a:schemeClr val="tx1"/>
+                </a:solidFill>
+                <a:latin typeface="+mn-lt"/>
+                <a:ea typeface="+mn-ea"/>
+                <a:cs typeface="+mn-cs"/>
+              </a:defRPr>
+            </a:lvl3pPr>
+            <a:lvl4pPr marL="1371600" indent="0" algn="ctr" defTabSz="914400" rtl="0" eaLnBrk="1" latinLnBrk="0" hangingPunct="1">
+              <a:lnSpc>
+                <a:spcPct val="90000"/>
+              </a:lnSpc>
+              <a:spcBef>
+                <a:spcPts val="500"/>
+              </a:spcBef>
+              <a:buFont typeface="Arial"/>
+              <a:buNone/>
+              <a:defRPr sz="1600" kern="1200">
+                <a:solidFill>
+                  <a:schemeClr val="tx1"/>
+                </a:solidFill>
+                <a:latin typeface="+mn-lt"/>
+                <a:ea typeface="+mn-ea"/>
+                <a:cs typeface="+mn-cs"/>
+              </a:defRPr>
+            </a:lvl4pPr>
+            <a:lvl5pPr marL="1828800" indent="0" algn="ctr" defTabSz="914400" rtl="0" eaLnBrk="1" latinLnBrk="0" hangingPunct="1">
+              <a:lnSpc>
+                <a:spcPct val="90000"/>
+              </a:lnSpc>
+              <a:spcBef>
+                <a:spcPts val="500"/>
+              </a:spcBef>
+              <a:buFont typeface="Arial"/>
+              <a:buNone/>
+              <a:defRPr sz="1600" kern="1200">
+                <a:solidFill>
+                  <a:schemeClr val="tx1"/>
+                </a:solidFill>
+                <a:latin typeface="+mn-lt"/>
+                <a:ea typeface="+mn-ea"/>
+                <a:cs typeface="+mn-cs"/>
+              </a:defRPr>
+            </a:lvl5pPr>
+            <a:lvl6pPr marL="2286000" indent="0" algn="ctr" defTabSz="914400" rtl="0" eaLnBrk="1" latinLnBrk="0" hangingPunct="1">
+              <a:lnSpc>
+                <a:spcPct val="90000"/>
+              </a:lnSpc>
+              <a:spcBef>
+                <a:spcPts val="500"/>
+              </a:spcBef>
+              <a:buFont typeface="Arial"/>
+              <a:buNone/>
+              <a:defRPr sz="1600" kern="1200">
+                <a:solidFill>
+                  <a:schemeClr val="tx1"/>
+                </a:solidFill>
+                <a:latin typeface="+mn-lt"/>
+                <a:ea typeface="+mn-ea"/>
+                <a:cs typeface="+mn-cs"/>
+              </a:defRPr>
+            </a:lvl6pPr>
+            <a:lvl7pPr marL="2743200" indent="0" algn="ctr" defTabSz="914400" rtl="0" eaLnBrk="1" latinLnBrk="0" hangingPunct="1">
+              <a:lnSpc>
+                <a:spcPct val="90000"/>
+              </a:lnSpc>
+              <a:spcBef>
+                <a:spcPts val="500"/>
+              </a:spcBef>
+              <a:buFont typeface="Arial"/>
+              <a:buNone/>
+              <a:defRPr sz="1600" kern="1200">
+                <a:solidFill>
+                  <a:schemeClr val="tx1"/>
+                </a:solidFill>
+                <a:latin typeface="+mn-lt"/>
+                <a:ea typeface="+mn-ea"/>
+                <a:cs typeface="+mn-cs"/>
+              </a:defRPr>
+            </a:lvl7pPr>
+            <a:lvl8pPr marL="3200400" indent="0" algn="ctr" defTabSz="914400" rtl="0" eaLnBrk="1" latinLnBrk="0" hangingPunct="1">
+              <a:lnSpc>
+                <a:spcPct val="90000"/>
+              </a:lnSpc>
+              <a:spcBef>
+                <a:spcPts val="500"/>
+              </a:spcBef>
+              <a:buFont typeface="Arial"/>
+              <a:buNone/>
+              <a:defRPr sz="1600" kern="1200">
+                <a:solidFill>
+                  <a:schemeClr val="tx1"/>
+                </a:solidFill>
+                <a:latin typeface="+mn-lt"/>
+                <a:ea typeface="+mn-ea"/>
+                <a:cs typeface="+mn-cs"/>
+              </a:defRPr>
+            </a:lvl8pPr>
+            <a:lvl9pPr marL="3657600" indent="0" algn="ctr" defTabSz="914400" rtl="0" eaLnBrk="1" latinLnBrk="0" hangingPunct="1">
+              <a:lnSpc>
+                <a:spcPct val="90000"/>
+              </a:lnSpc>
+              <a:spcBef>
+                <a:spcPts val="500"/>
+              </a:spcBef>
+              <a:buFont typeface="Arial"/>
+              <a:buNone/>
+              <a:defRPr sz="1600" kern="1200">
+                <a:solidFill>
+                  <a:schemeClr val="tx1"/>
+                </a:solidFill>
+                <a:latin typeface="+mn-lt"/>
+                <a:ea typeface="+mn-ea"/>
+                <a:cs typeface="+mn-cs"/>
+              </a:defRPr>
+            </a:lvl9pPr>
+          </a:lstStyle>
+          <a:p>
+            <a:pPr marL="457200" indent="-457200" algn="l">
+              <a:lnSpc>
+                <a:spcPct val="120000"/>
+              </a:lnSpc>
+              <a:buFontTx/>
+              <a:buChar char="-"/>
+            </a:pPr>
+            <a:r>
+              <a:rPr lang="en-US" sz="2800" dirty="0" smtClean="0">
+                <a:solidFill>
+                  <a:srgbClr val="FFC153"/>
+                </a:solidFill>
+                <a:latin typeface="Roboto Mono for Powerline" charset="0"/>
+                <a:ea typeface="Roboto Mono for Powerline" charset="0"/>
+                <a:cs typeface="Roboto Mono for Powerline" charset="0"/>
+              </a:rPr>
+              <a:t>the </a:t>
+            </a:r>
+            <a:r>
+              <a:rPr lang="en-US" sz="2800" dirty="0">
+                <a:solidFill>
+                  <a:srgbClr val="FFC153"/>
+                </a:solidFill>
+                <a:latin typeface="Roboto Mono for Powerline" charset="0"/>
+                <a:ea typeface="Roboto Mono for Powerline" charset="0"/>
+                <a:cs typeface="Roboto Mono for Powerline" charset="0"/>
+              </a:rPr>
+              <a:t>industry is moving towards </a:t>
+            </a:r>
+            <a:r>
+              <a:rPr lang="en-US" sz="2800" dirty="0" err="1" smtClean="0">
+                <a:solidFill>
+                  <a:srgbClr val="FFC153"/>
+                </a:solidFill>
+                <a:latin typeface="Roboto Mono for Powerline" charset="0"/>
+                <a:ea typeface="Roboto Mono for Powerline" charset="0"/>
+                <a:cs typeface="Roboto Mono for Powerline" charset="0"/>
+              </a:rPr>
+              <a:t>microservice</a:t>
+            </a:r>
+            <a:r>
+              <a:rPr lang="en-US" sz="2800" dirty="0" smtClean="0">
+                <a:solidFill>
+                  <a:srgbClr val="FFC153"/>
+                </a:solidFill>
+                <a:latin typeface="Roboto Mono for Powerline" charset="0"/>
+                <a:ea typeface="Roboto Mono for Powerline" charset="0"/>
+                <a:cs typeface="Roboto Mono for Powerline" charset="0"/>
+              </a:rPr>
+              <a:t> </a:t>
+            </a:r>
+            <a:r>
+              <a:rPr lang="en-US" sz="2800" dirty="0">
+                <a:solidFill>
+                  <a:srgbClr val="FFC153"/>
+                </a:solidFill>
+                <a:latin typeface="Roboto Mono for Powerline" charset="0"/>
+                <a:ea typeface="Roboto Mono for Powerline" charset="0"/>
+                <a:cs typeface="Roboto Mono for Powerline" charset="0"/>
+              </a:rPr>
+              <a:t>and hexagonal architecture over monolithic </a:t>
+            </a:r>
+            <a:r>
+              <a:rPr lang="en-US" sz="2800" dirty="0" smtClean="0">
+                <a:solidFill>
+                  <a:srgbClr val="FFC153"/>
+                </a:solidFill>
+                <a:latin typeface="Roboto Mono for Powerline" charset="0"/>
+                <a:ea typeface="Roboto Mono for Powerline" charset="0"/>
+                <a:cs typeface="Roboto Mono for Powerline" charset="0"/>
+              </a:rPr>
+              <a:t>architecture </a:t>
+            </a:r>
+            <a:r>
+              <a:rPr lang="en-US" sz="2800" dirty="0" smtClean="0">
+                <a:solidFill>
+                  <a:srgbClr val="EC6B56"/>
+                </a:solidFill>
+                <a:latin typeface="Roboto Mono for Powerline" charset="0"/>
+                <a:ea typeface="Roboto Mono for Powerline" charset="0"/>
+                <a:cs typeface="Roboto Mono for Powerline" charset="0"/>
+              </a:rPr>
+              <a:t>(and for good reason)</a:t>
+            </a:r>
+          </a:p>
+          <a:p>
+            <a:pPr marL="457200" indent="-457200" algn="l">
+              <a:lnSpc>
+                <a:spcPct val="120000"/>
+              </a:lnSpc>
+              <a:buFontTx/>
+              <a:buChar char="-"/>
+            </a:pPr>
+            <a:r>
+              <a:rPr lang="en-US" sz="2800" dirty="0" smtClean="0">
+                <a:solidFill>
+                  <a:srgbClr val="FFC153"/>
+                </a:solidFill>
+                <a:latin typeface="Roboto Mono for Powerline" charset="0"/>
+                <a:ea typeface="Roboto Mono for Powerline" charset="0"/>
+                <a:cs typeface="Roboto Mono for Powerline" charset="0"/>
+              </a:rPr>
+              <a:t>we </a:t>
+            </a:r>
+            <a:r>
+              <a:rPr lang="en-US" sz="2800" dirty="0">
+                <a:solidFill>
+                  <a:srgbClr val="FFC153"/>
+                </a:solidFill>
+                <a:latin typeface="Roboto Mono for Powerline" charset="0"/>
+                <a:ea typeface="Roboto Mono for Powerline" charset="0"/>
+                <a:cs typeface="Roboto Mono for Powerline" charset="0"/>
+              </a:rPr>
+              <a:t>have a huge variation in </a:t>
+            </a:r>
+            <a:r>
+              <a:rPr lang="en-US" sz="2800" dirty="0" smtClean="0">
+                <a:solidFill>
+                  <a:srgbClr val="FFC153"/>
+                </a:solidFill>
+                <a:latin typeface="Roboto Mono for Powerline" charset="0"/>
+                <a:ea typeface="Roboto Mono for Powerline" charset="0"/>
+                <a:cs typeface="Roboto Mono for Powerline" charset="0"/>
+              </a:rPr>
+              <a:t>experiences </a:t>
+            </a:r>
+            <a:r>
+              <a:rPr lang="en-US" sz="2800" dirty="0">
+                <a:solidFill>
+                  <a:srgbClr val="FFC153"/>
+                </a:solidFill>
+                <a:latin typeface="Roboto Mono for Powerline" charset="0"/>
+                <a:ea typeface="Roboto Mono for Powerline" charset="0"/>
+                <a:cs typeface="Roboto Mono for Powerline" charset="0"/>
+              </a:rPr>
+              <a:t>now (mobile, tablet, IOT device, desktop, voice assistant) all querying the same </a:t>
+            </a:r>
+            <a:r>
+              <a:rPr lang="en-US" sz="2800" dirty="0" smtClean="0">
+                <a:solidFill>
+                  <a:srgbClr val="FFC153"/>
+                </a:solidFill>
+                <a:latin typeface="Roboto Mono for Powerline" charset="0"/>
+                <a:ea typeface="Roboto Mono for Powerline" charset="0"/>
+                <a:cs typeface="Roboto Mono for Powerline" charset="0"/>
+              </a:rPr>
+              <a:t>resources</a:t>
+            </a:r>
+          </a:p>
+          <a:p>
+            <a:pPr marL="457200" indent="-457200" algn="l">
+              <a:lnSpc>
+                <a:spcPct val="120000"/>
+              </a:lnSpc>
+              <a:buFontTx/>
+              <a:buChar char="-"/>
+            </a:pPr>
+            <a:r>
+              <a:rPr lang="en-US" sz="2800" dirty="0" smtClean="0">
+                <a:solidFill>
+                  <a:srgbClr val="FFC153"/>
+                </a:solidFill>
+                <a:latin typeface="Roboto Mono for Powerline" charset="0"/>
+                <a:ea typeface="Roboto Mono for Powerline" charset="0"/>
+                <a:cs typeface="Roboto Mono for Powerline" charset="0"/>
+              </a:rPr>
+              <a:t>we </a:t>
+            </a:r>
+            <a:r>
+              <a:rPr lang="en-US" sz="2800" dirty="0">
+                <a:solidFill>
+                  <a:srgbClr val="FFC153"/>
+                </a:solidFill>
+                <a:latin typeface="Roboto Mono for Powerline" charset="0"/>
+                <a:ea typeface="Roboto Mono for Powerline" charset="0"/>
+                <a:cs typeface="Roboto Mono for Powerline" charset="0"/>
+              </a:rPr>
+              <a:t>have Third Party APIs that do certain challenging things really well so that we don't have to </a:t>
+            </a:r>
+            <a:r>
+              <a:rPr lang="en-US" sz="2800" dirty="0" smtClean="0">
+                <a:solidFill>
+                  <a:srgbClr val="FFC153"/>
+                </a:solidFill>
+                <a:latin typeface="Roboto Mono for Powerline" charset="0"/>
+                <a:ea typeface="Roboto Mono for Powerline" charset="0"/>
+                <a:cs typeface="Roboto Mono for Powerline" charset="0"/>
+              </a:rPr>
+              <a:t>anymore</a:t>
+            </a:r>
+            <a:br>
+              <a:rPr lang="en-US" sz="2800" dirty="0" smtClean="0">
+                <a:solidFill>
+                  <a:srgbClr val="FFC153"/>
+                </a:solidFill>
+                <a:latin typeface="Roboto Mono for Powerline" charset="0"/>
+                <a:ea typeface="Roboto Mono for Powerline" charset="0"/>
+                <a:cs typeface="Roboto Mono for Powerline" charset="0"/>
+              </a:rPr>
+            </a:br>
+            <a:endParaRPr lang="en-US" sz="2800" dirty="0" smtClean="0">
+              <a:solidFill>
+                <a:srgbClr val="FFC153"/>
+              </a:solidFill>
+              <a:latin typeface="Roboto Mono for Powerline" charset="0"/>
+              <a:ea typeface="Roboto Mono for Powerline" charset="0"/>
+              <a:cs typeface="Roboto Mono for Powerline" charset="0"/>
+            </a:endParaRPr>
+          </a:p>
+          <a:p>
+            <a:pPr marL="914400" lvl="1" indent="-457200" algn="l">
+              <a:lnSpc>
+                <a:spcPct val="120000"/>
+              </a:lnSpc>
+              <a:buFontTx/>
+              <a:buChar char="-"/>
+            </a:pPr>
+            <a:r>
+              <a:rPr lang="en-US" dirty="0" err="1" smtClean="0">
+                <a:solidFill>
+                  <a:srgbClr val="16BC9C"/>
+                </a:solidFill>
+                <a:latin typeface="Roboto Mono for Powerline" charset="0"/>
+                <a:ea typeface="Roboto Mono for Powerline" charset="0"/>
+                <a:cs typeface="Roboto Mono for Powerline" charset="0"/>
+              </a:rPr>
+              <a:t>Twilio</a:t>
+            </a:r>
+            <a:r>
+              <a:rPr lang="en-US" dirty="0">
+                <a:solidFill>
+                  <a:srgbClr val="16BC9C"/>
+                </a:solidFill>
+                <a:latin typeface="Roboto Mono for Powerline" charset="0"/>
+                <a:ea typeface="Roboto Mono for Powerline" charset="0"/>
+                <a:cs typeface="Roboto Mono for Powerline" charset="0"/>
+              </a:rPr>
+              <a:t>: handles texting &amp; automated voice </a:t>
+            </a:r>
+            <a:r>
+              <a:rPr lang="en-US" dirty="0" smtClean="0">
+                <a:solidFill>
+                  <a:srgbClr val="16BC9C"/>
+                </a:solidFill>
+                <a:latin typeface="Roboto Mono for Powerline" charset="0"/>
+                <a:ea typeface="Roboto Mono for Powerline" charset="0"/>
+                <a:cs typeface="Roboto Mono for Powerline" charset="0"/>
+              </a:rPr>
+              <a:t>calls</a:t>
+            </a:r>
+          </a:p>
+          <a:p>
+            <a:pPr marL="914400" lvl="1" indent="-457200" algn="l">
+              <a:lnSpc>
+                <a:spcPct val="120000"/>
+              </a:lnSpc>
+              <a:buFontTx/>
+              <a:buChar char="-"/>
+            </a:pPr>
+            <a:r>
+              <a:rPr lang="en-US" dirty="0" smtClean="0">
+                <a:solidFill>
+                  <a:srgbClr val="16BC9C"/>
+                </a:solidFill>
+                <a:latin typeface="Roboto Mono for Powerline" charset="0"/>
+                <a:ea typeface="Roboto Mono for Powerline" charset="0"/>
+                <a:cs typeface="Roboto Mono for Powerline" charset="0"/>
+              </a:rPr>
+              <a:t>Braintree</a:t>
+            </a:r>
+            <a:r>
+              <a:rPr lang="en-US" dirty="0">
+                <a:solidFill>
+                  <a:srgbClr val="16BC9C"/>
+                </a:solidFill>
+                <a:latin typeface="Roboto Mono for Powerline" charset="0"/>
+                <a:ea typeface="Roboto Mono for Powerline" charset="0"/>
+                <a:cs typeface="Roboto Mono for Powerline" charset="0"/>
+              </a:rPr>
+              <a:t>: handles monetary transactions  </a:t>
+            </a:r>
+            <a:endParaRPr lang="en-US" dirty="0" smtClean="0">
+              <a:solidFill>
+                <a:srgbClr val="16BC9C"/>
+              </a:solidFill>
+              <a:latin typeface="Roboto Mono for Powerline" charset="0"/>
+              <a:ea typeface="Roboto Mono for Powerline" charset="0"/>
+              <a:cs typeface="Roboto Mono for Powerline" charset="0"/>
+            </a:endParaRPr>
+          </a:p>
+          <a:p>
+            <a:pPr marL="914400" lvl="1" indent="-457200" algn="l">
+              <a:lnSpc>
+                <a:spcPct val="120000"/>
+              </a:lnSpc>
+              <a:buFontTx/>
+              <a:buChar char="-"/>
+            </a:pPr>
+            <a:r>
+              <a:rPr lang="en-US" dirty="0" smtClean="0">
+                <a:solidFill>
+                  <a:srgbClr val="16BC9C"/>
+                </a:solidFill>
+                <a:latin typeface="Roboto Mono for Powerline" charset="0"/>
+                <a:ea typeface="Roboto Mono for Powerline" charset="0"/>
+                <a:cs typeface="Roboto Mono for Powerline" charset="0"/>
+              </a:rPr>
+              <a:t>Auth0</a:t>
+            </a:r>
+            <a:r>
+              <a:rPr lang="en-US" dirty="0">
+                <a:solidFill>
+                  <a:srgbClr val="16BC9C"/>
+                </a:solidFill>
+                <a:latin typeface="Roboto Mono for Powerline" charset="0"/>
+                <a:ea typeface="Roboto Mono for Powerline" charset="0"/>
+                <a:cs typeface="Roboto Mono for Powerline" charset="0"/>
+              </a:rPr>
+              <a:t>: handles authentication and user account management  </a:t>
+            </a:r>
+            <a:endParaRPr lang="en-US" dirty="0" smtClean="0">
+              <a:solidFill>
+                <a:srgbClr val="16BC9C"/>
+              </a:solidFill>
+              <a:latin typeface="Roboto Mono for Powerline" charset="0"/>
+              <a:ea typeface="Roboto Mono for Powerline" charset="0"/>
+              <a:cs typeface="Roboto Mono for Powerline" charset="0"/>
+            </a:endParaRPr>
+          </a:p>
+          <a:p>
+            <a:pPr marL="914400" lvl="1" indent="-457200" algn="l">
+              <a:lnSpc>
+                <a:spcPct val="120000"/>
+              </a:lnSpc>
+              <a:buFontTx/>
+              <a:buChar char="-"/>
+            </a:pPr>
+            <a:r>
+              <a:rPr lang="en-US" dirty="0" err="1" smtClean="0">
+                <a:solidFill>
+                  <a:srgbClr val="16BC9C"/>
+                </a:solidFill>
+                <a:latin typeface="Roboto Mono for Powerline" charset="0"/>
+                <a:ea typeface="Roboto Mono for Powerline" charset="0"/>
+                <a:cs typeface="Roboto Mono for Powerline" charset="0"/>
+              </a:rPr>
+              <a:t>Goole</a:t>
+            </a:r>
+            <a:r>
+              <a:rPr lang="en-US" dirty="0" smtClean="0">
+                <a:solidFill>
+                  <a:srgbClr val="16BC9C"/>
+                </a:solidFill>
+                <a:latin typeface="Roboto Mono for Powerline" charset="0"/>
+                <a:ea typeface="Roboto Mono for Powerline" charset="0"/>
+                <a:cs typeface="Roboto Mono for Powerline" charset="0"/>
+              </a:rPr>
+              <a:t>/Amazon/IBM/Microsoft </a:t>
+            </a:r>
+            <a:r>
+              <a:rPr lang="en-US" dirty="0">
+                <a:solidFill>
+                  <a:srgbClr val="16BC9C"/>
+                </a:solidFill>
+                <a:latin typeface="Roboto Mono for Powerline" charset="0"/>
+                <a:ea typeface="Roboto Mono for Powerline" charset="0"/>
+                <a:cs typeface="Roboto Mono for Powerline" charset="0"/>
+              </a:rPr>
+              <a:t>Cloud: various AI </a:t>
+            </a:r>
+            <a:r>
+              <a:rPr lang="en-US" dirty="0" smtClean="0">
+                <a:solidFill>
+                  <a:srgbClr val="16BC9C"/>
+                </a:solidFill>
+                <a:latin typeface="Roboto Mono for Powerline" charset="0"/>
+                <a:ea typeface="Roboto Mono for Powerline" charset="0"/>
+                <a:cs typeface="Roboto Mono for Powerline" charset="0"/>
+              </a:rPr>
+              <a:t>related APIs</a:t>
+            </a:r>
+            <a:endParaRPr lang="en-US" dirty="0" smtClean="0">
+              <a:solidFill>
+                <a:srgbClr val="16BC9C"/>
+              </a:solidFill>
+              <a:latin typeface="Roboto Mono for Powerline" charset="0"/>
+              <a:ea typeface="Roboto Mono for Powerline" charset="0"/>
+              <a:cs typeface="Roboto Mono for Powerline" charset="0"/>
+            </a:endParaRPr>
+          </a:p>
+        </p:txBody>
+      </p:sp>
+      <p:pic>
+        <p:nvPicPr>
+          <p:cNvPr id="2" name="Picture 1"/>
+          <p:cNvPicPr>
+            <a:picLocks noChangeAspect="1"/>
+          </p:cNvPicPr>
+          <p:nvPr/>
+        </p:nvPicPr>
+        <p:blipFill>
+          <a:blip r:embed="rId2"/>
+          <a:stretch>
+            <a:fillRect/>
+          </a:stretch>
+        </p:blipFill>
+        <p:spPr>
+          <a:xfrm>
+            <a:off x="7350826" y="2466072"/>
+            <a:ext cx="4512714" cy="3097518"/>
+          </a:xfrm>
+          <a:prstGeom prst="rect">
+            <a:avLst/>
+          </a:prstGeom>
+        </p:spPr>
+      </p:pic>
+    </p:spTree>
+    <p:extLst>
+      <p:ext uri="{BB962C8B-B14F-4D97-AF65-F5344CB8AC3E}">
+        <p14:creationId xmlns:p14="http://schemas.microsoft.com/office/powerpoint/2010/main" val="1517441424"/>
+      </p:ext>
+    </p:extLst>
+  </p:cSld>
+  <p:clrMapOvr>
+    <a:masterClrMapping/>
+  </p:clrMapOvr>
+  <p:timing>
+    <p:tnLst>
+      <p:par>
+        <p:cTn id="1" dur="indefinite" restart="never" nodeType="tmRoot"/>
+      </p:par>
+    </p:tnLst>
+  </p:timing>
+</p:sld>
+</file>
+
+<file path=ppt/slides/slide12.xml><?xml version="1.0" encoding="utf-8"?>
+<p:sld xmlns:a="http://schemas.openxmlformats.org/drawingml/2006/main" xmlns:r="http://schemas.openxmlformats.org/officeDocument/2006/relationships" xmlns:p="http://schemas.openxmlformats.org/presentationml/2006/main">
+  <p:cSld>
+    <p:bg>
+      <p:bgPr>
+        <a:solidFill>
+          <a:srgbClr val="1C2021"/>
+        </a:solidFill>
+        <a:effectLst/>
+      </p:bgPr>
+    </p:bg>
+    <p:spTree>
+      <p:nvGrpSpPr>
+        <p:cNvPr id="1" name=""/>
+        <p:cNvGrpSpPr/>
+        <p:nvPr/>
+      </p:nvGrpSpPr>
+      <p:grpSpPr>
+        <a:xfrm>
+          <a:off x="0" y="0"/>
+          <a:ext cx="0" cy="0"/>
+          <a:chOff x="0" y="0"/>
+          <a:chExt cx="0" cy="0"/>
+        </a:xfrm>
+      </p:grpSpPr>
+      <p:sp>
+        <p:nvSpPr>
+          <p:cNvPr id="3" name="Subtitle 2"/>
+          <p:cNvSpPr>
+            <a:spLocks noGrp="1"/>
+          </p:cNvSpPr>
+          <p:nvPr>
+            <p:ph type="subTitle" idx="1"/>
+          </p:nvPr>
+        </p:nvSpPr>
+        <p:spPr>
+          <a:xfrm>
+            <a:off x="285008" y="722993"/>
+            <a:ext cx="11621984" cy="5412014"/>
+          </a:xfrm>
+        </p:spPr>
+        <p:txBody>
+          <a:bodyPr>
+            <a:normAutofit fontScale="40000" lnSpcReduction="20000"/>
+          </a:bodyPr>
+          <a:lstStyle/>
+          <a:p>
+            <a:pPr>
+              <a:lnSpc>
+                <a:spcPct val="120000"/>
+              </a:lnSpc>
+            </a:pPr>
+            <a:r>
+              <a:rPr lang="en-US" sz="6600" dirty="0" smtClean="0">
+                <a:solidFill>
+                  <a:srgbClr val="16BC9C"/>
+                </a:solidFill>
+                <a:latin typeface="Roboto Mono for Powerline" charset="0"/>
+                <a:ea typeface="Roboto Mono for Powerline" charset="0"/>
+                <a:cs typeface="Roboto Mono for Powerline" charset="0"/>
+              </a:rPr>
+              <a:t>Our problems, in layman's:</a:t>
+            </a:r>
+          </a:p>
+          <a:p>
+            <a:pPr>
+              <a:lnSpc>
+                <a:spcPct val="120000"/>
+              </a:lnSpc>
+            </a:pPr>
+            <a:r>
+              <a:rPr lang="en-US" sz="6600" dirty="0">
+                <a:solidFill>
+                  <a:srgbClr val="FFC153"/>
+                </a:solidFill>
+                <a:latin typeface="Roboto Mono for Powerline" charset="0"/>
+                <a:ea typeface="Roboto Mono for Powerline" charset="0"/>
+                <a:cs typeface="Roboto Mono for Powerline" charset="0"/>
+              </a:rPr>
+              <a:t>O</a:t>
+            </a:r>
+            <a:r>
+              <a:rPr lang="en-US" sz="6600" dirty="0" smtClean="0">
+                <a:solidFill>
+                  <a:srgbClr val="FFC153"/>
+                </a:solidFill>
+                <a:latin typeface="Roboto Mono for Powerline" charset="0"/>
+                <a:ea typeface="Roboto Mono for Powerline" charset="0"/>
+                <a:cs typeface="Roboto Mono for Powerline" charset="0"/>
+              </a:rPr>
+              <a:t>ur apps are talking to a lot of things, and then those things are talking to other things. Some of those things are inside a database that we own and some aren’t. Some of those things get searched through multiple times even when its not necessary. Som</a:t>
+            </a:r>
+            <a:r>
+              <a:rPr lang="en-US" sz="6600" dirty="0" smtClean="0">
+                <a:solidFill>
+                  <a:srgbClr val="FFC153"/>
+                </a:solidFill>
+                <a:latin typeface="Roboto Mono for Powerline" charset="0"/>
+                <a:ea typeface="Roboto Mono for Powerline" charset="0"/>
+                <a:cs typeface="Roboto Mono for Powerline" charset="0"/>
+              </a:rPr>
+              <a:t>e of those lookups hog more resources than they need to. Sometimes we need to change the types of things we are looking for while simultaneously NOT breaking how we are already looking for things.</a:t>
+            </a:r>
+          </a:p>
+          <a:p>
+            <a:pPr>
+              <a:lnSpc>
+                <a:spcPct val="120000"/>
+              </a:lnSpc>
+            </a:pPr>
+            <a:r>
+              <a:rPr lang="en-US" sz="6600" dirty="0" smtClean="0">
+                <a:solidFill>
+                  <a:srgbClr val="FFC153"/>
+                </a:solidFill>
+                <a:latin typeface="Roboto Mono for Powerline" charset="0"/>
+                <a:ea typeface="Roboto Mono for Powerline" charset="0"/>
+                <a:cs typeface="Roboto Mono for Powerline" charset="0"/>
+              </a:rPr>
+              <a:t>Sometimes we do not get all of the things and we don’t know why.</a:t>
+            </a:r>
+            <a:endParaRPr lang="en-US" sz="6600" dirty="0" smtClean="0">
+              <a:solidFill>
+                <a:srgbClr val="FFC153"/>
+              </a:solidFill>
+              <a:latin typeface="Roboto Mono for Powerline" charset="0"/>
+              <a:ea typeface="Roboto Mono for Powerline" charset="0"/>
+              <a:cs typeface="Roboto Mono for Powerline" charset="0"/>
+            </a:endParaRPr>
+          </a:p>
+        </p:txBody>
+      </p:sp>
+    </p:spTree>
+    <p:extLst>
+      <p:ext uri="{BB962C8B-B14F-4D97-AF65-F5344CB8AC3E}">
+        <p14:creationId xmlns:p14="http://schemas.microsoft.com/office/powerpoint/2010/main" val="1333079602"/>
+      </p:ext>
+    </p:extLst>
+  </p:cSld>
+  <p:clrMapOvr>
+    <a:masterClrMapping/>
+  </p:clrMapOvr>
+  <p:timing>
+    <p:tnLst>
+      <p:par>
+        <p:cTn id="1" dur="indefinite" restart="never" nodeType="tmRoot"/>
+      </p:par>
+    </p:tnLst>
+  </p:timing>
+</p:sld>
+</file>
+
+<file path=ppt/slides/slide13.xml><?xml version="1.0" encoding="utf-8"?>
+<p:sld xmlns:a="http://schemas.openxmlformats.org/drawingml/2006/main" xmlns:r="http://schemas.openxmlformats.org/officeDocument/2006/relationships" xmlns:p="http://schemas.openxmlformats.org/presentationml/2006/main">
+  <p:cSld>
+    <p:bg>
+      <p:bgPr>
+        <a:solidFill>
+          <a:srgbClr val="1C2021"/>
+        </a:solidFill>
+        <a:effectLst/>
+      </p:bgPr>
+    </p:bg>
+    <p:spTree>
+      <p:nvGrpSpPr>
+        <p:cNvPr id="1" name=""/>
+        <p:cNvGrpSpPr/>
+        <p:nvPr/>
+      </p:nvGrpSpPr>
+      <p:grpSpPr>
+        <a:xfrm>
+          <a:off x="0" y="0"/>
+          <a:ext cx="0" cy="0"/>
+          <a:chOff x="0" y="0"/>
+          <a:chExt cx="0" cy="0"/>
+        </a:xfrm>
+      </p:grpSpPr>
+      <p:sp>
+        <p:nvSpPr>
+          <p:cNvPr id="3" name="Subtitle 2"/>
+          <p:cNvSpPr>
+            <a:spLocks noGrp="1"/>
+          </p:cNvSpPr>
+          <p:nvPr>
+            <p:ph type="subTitle" idx="1"/>
+          </p:nvPr>
+        </p:nvSpPr>
+        <p:spPr>
+          <a:xfrm>
+            <a:off x="285008" y="722993"/>
+            <a:ext cx="11621984" cy="5412014"/>
+          </a:xfrm>
+        </p:spPr>
+        <p:txBody>
+          <a:bodyPr>
+            <a:normAutofit fontScale="62500" lnSpcReduction="20000"/>
+          </a:bodyPr>
+          <a:lstStyle/>
+          <a:p>
+            <a:pPr>
+              <a:lnSpc>
+                <a:spcPct val="120000"/>
+              </a:lnSpc>
+            </a:pPr>
+            <a:r>
+              <a:rPr lang="en-US" sz="6600" dirty="0" smtClean="0">
+                <a:solidFill>
+                  <a:srgbClr val="16BC9C"/>
+                </a:solidFill>
+                <a:latin typeface="Roboto Mono for Powerline" charset="0"/>
+                <a:ea typeface="Roboto Mono for Powerline" charset="0"/>
+                <a:cs typeface="Roboto Mono for Powerline" charset="0"/>
+              </a:rPr>
+              <a:t>Facebook’s Solution:</a:t>
+            </a:r>
+          </a:p>
+          <a:p>
+            <a:pPr>
+              <a:lnSpc>
+                <a:spcPct val="120000"/>
+              </a:lnSpc>
+            </a:pPr>
+            <a:r>
+              <a:rPr lang="en-US" sz="6600" dirty="0">
+                <a:solidFill>
+                  <a:srgbClr val="FFC153"/>
+                </a:solidFill>
+                <a:latin typeface="Roboto Mono for Powerline" charset="0"/>
+                <a:ea typeface="Roboto Mono for Powerline" charset="0"/>
+                <a:cs typeface="Roboto Mono for Powerline" charset="0"/>
+              </a:rPr>
+              <a:t>I</a:t>
+            </a:r>
+            <a:r>
+              <a:rPr lang="en-US" sz="6600" dirty="0" smtClean="0">
+                <a:solidFill>
+                  <a:srgbClr val="FFC153"/>
+                </a:solidFill>
+                <a:latin typeface="Roboto Mono for Powerline" charset="0"/>
+                <a:ea typeface="Roboto Mono for Powerline" charset="0"/>
+                <a:cs typeface="Roboto Mono for Powerline" charset="0"/>
+              </a:rPr>
+              <a:t>nstead </a:t>
+            </a:r>
+            <a:r>
+              <a:rPr lang="en-US" sz="6600" dirty="0">
+                <a:solidFill>
+                  <a:srgbClr val="FFC153"/>
+                </a:solidFill>
+                <a:latin typeface="Roboto Mono for Powerline" charset="0"/>
+                <a:ea typeface="Roboto Mono for Powerline" charset="0"/>
+                <a:cs typeface="Roboto Mono for Powerline" charset="0"/>
+              </a:rPr>
+              <a:t>of having multiple “dumb” endpoints, have a single “smart” endpoint that can take in complex queries, and then massage the data output into whatever shape the client requires.</a:t>
+            </a:r>
+            <a:endParaRPr lang="en-US" sz="6600" dirty="0" smtClean="0">
+              <a:solidFill>
+                <a:srgbClr val="FFC153"/>
+              </a:solidFill>
+              <a:latin typeface="Roboto Mono for Powerline" charset="0"/>
+              <a:ea typeface="Roboto Mono for Powerline" charset="0"/>
+              <a:cs typeface="Roboto Mono for Powerline" charset="0"/>
+            </a:endParaRPr>
+          </a:p>
+        </p:txBody>
+      </p:sp>
+    </p:spTree>
+    <p:extLst>
+      <p:ext uri="{BB962C8B-B14F-4D97-AF65-F5344CB8AC3E}">
+        <p14:creationId xmlns:p14="http://schemas.microsoft.com/office/powerpoint/2010/main" val="1082263779"/>
+      </p:ext>
+    </p:extLst>
+  </p:cSld>
+  <p:clrMapOvr>
+    <a:masterClrMapping/>
+  </p:clrMapOvr>
+  <p:timing>
+    <p:tnLst>
+      <p:par>
+        <p:cTn id="1" dur="indefinite" restart="never" nodeType="tmRoot"/>
+      </p:par>
+    </p:tnLst>
+  </p:timing>
+</p:sld>
+</file>
+
+<file path=ppt/slides/slide14.xml><?xml version="1.0" encoding="utf-8"?>
 <p:sld xmlns:a="http://schemas.openxmlformats.org/drawingml/2006/main" xmlns:r="http://schemas.openxmlformats.org/officeDocument/2006/relationships" xmlns:p="http://schemas.openxmlformats.org/presentationml/2006/main">
   <p:cSld>
     <p:bg>
@@ -4371,7 +5306,7 @@
 </p:sld>
 </file>
 
-<file path=ppt/slides/slide12.xml><?xml version="1.0" encoding="utf-8"?>
+<file path=ppt/slides/slide15.xml><?xml version="1.0" encoding="utf-8"?>
 <p:sld xmlns:a="http://schemas.openxmlformats.org/drawingml/2006/main" xmlns:r="http://schemas.openxmlformats.org/officeDocument/2006/relationships" xmlns:p="http://schemas.openxmlformats.org/presentationml/2006/main">
   <p:cSld>
     <p:bg>
@@ -4464,7 +5399,381 @@
 </p:sld>
 </file>
 
-<file path=ppt/slides/slide13.xml><?xml version="1.0" encoding="utf-8"?>
+<file path=ppt/slides/slide16.xml><?xml version="1.0" encoding="utf-8"?>
+<p:sld xmlns:a="http://schemas.openxmlformats.org/drawingml/2006/main" xmlns:r="http://schemas.openxmlformats.org/officeDocument/2006/relationships" xmlns:p="http://schemas.openxmlformats.org/presentationml/2006/main">
+  <p:cSld>
+    <p:bg>
+      <p:bgPr>
+        <a:solidFill>
+          <a:srgbClr val="1C2021"/>
+        </a:solidFill>
+        <a:effectLst/>
+      </p:bgPr>
+    </p:bg>
+    <p:spTree>
+      <p:nvGrpSpPr>
+        <p:cNvPr id="1" name=""/>
+        <p:cNvGrpSpPr/>
+        <p:nvPr/>
+      </p:nvGrpSpPr>
+      <p:grpSpPr>
+        <a:xfrm>
+          <a:off x="0" y="0"/>
+          <a:ext cx="0" cy="0"/>
+          <a:chOff x="0" y="0"/>
+          <a:chExt cx="0" cy="0"/>
+        </a:xfrm>
+      </p:grpSpPr>
+      <p:sp>
+        <p:nvSpPr>
+          <p:cNvPr id="3" name="Subtitle 2"/>
+          <p:cNvSpPr>
+            <a:spLocks noGrp="1"/>
+          </p:cNvSpPr>
+          <p:nvPr>
+            <p:ph type="subTitle" idx="1"/>
+          </p:nvPr>
+        </p:nvSpPr>
+        <p:spPr>
+          <a:xfrm>
+            <a:off x="1262743" y="1383558"/>
+            <a:ext cx="9666514" cy="4090884"/>
+          </a:xfrm>
+        </p:spPr>
+        <p:txBody>
+          <a:bodyPr>
+            <a:noAutofit/>
+          </a:bodyPr>
+          <a:lstStyle/>
+          <a:p>
+            <a:pPr algn="l">
+              <a:lnSpc>
+                <a:spcPct val="100000"/>
+              </a:lnSpc>
+            </a:pPr>
+            <a:r>
+              <a:rPr lang="en-US" sz="2800" b="1" dirty="0">
+                <a:solidFill>
+                  <a:srgbClr val="EC6B56"/>
+                </a:solidFill>
+                <a:latin typeface="Roboto Mono for Powerline" charset="0"/>
+                <a:ea typeface="Roboto Mono for Powerline" charset="0"/>
+                <a:cs typeface="Roboto Mono for Powerline" charset="0"/>
+              </a:rPr>
+              <a:t>Y</a:t>
+            </a:r>
+            <a:r>
+              <a:rPr lang="en-US" sz="2800" b="1" dirty="0" smtClean="0">
+                <a:solidFill>
+                  <a:srgbClr val="EC6B56"/>
+                </a:solidFill>
+                <a:latin typeface="Roboto Mono for Powerline" charset="0"/>
+                <a:ea typeface="Roboto Mono for Powerline" charset="0"/>
+                <a:cs typeface="Roboto Mono for Powerline" charset="0"/>
+              </a:rPr>
+              <a:t>ou worked on a production level API that you felt was making more requests and serving more data than it needed to:</a:t>
+            </a:r>
+          </a:p>
+          <a:p>
+            <a:pPr algn="l">
+              <a:lnSpc>
+                <a:spcPct val="100000"/>
+              </a:lnSpc>
+            </a:pPr>
+            <a:endParaRPr lang="en-US" dirty="0" smtClean="0">
+              <a:solidFill>
+                <a:srgbClr val="FFC153"/>
+              </a:solidFill>
+              <a:latin typeface="Roboto Mono for Powerline" charset="0"/>
+              <a:ea typeface="Roboto Mono for Powerline" charset="0"/>
+              <a:cs typeface="Roboto Mono for Powerline" charset="0"/>
+            </a:endParaRPr>
+          </a:p>
+          <a:p>
+            <a:pPr algn="l">
+              <a:lnSpc>
+                <a:spcPct val="100000"/>
+              </a:lnSpc>
+            </a:pPr>
+            <a:r>
+              <a:rPr lang="en-US" dirty="0" smtClean="0">
+                <a:solidFill>
+                  <a:srgbClr val="FFC153"/>
+                </a:solidFill>
+                <a:latin typeface="Roboto Mono for Powerline" charset="0"/>
+                <a:ea typeface="Roboto Mono for Powerline" charset="0"/>
+                <a:cs typeface="Roboto Mono for Powerline" charset="0"/>
+              </a:rPr>
+              <a:t>a - Disagree</a:t>
+            </a:r>
+          </a:p>
+          <a:p>
+            <a:pPr algn="l">
+              <a:lnSpc>
+                <a:spcPct val="100000"/>
+              </a:lnSpc>
+            </a:pPr>
+            <a:r>
+              <a:rPr lang="en-US" dirty="0" smtClean="0">
+                <a:solidFill>
+                  <a:srgbClr val="FFC153"/>
+                </a:solidFill>
+                <a:latin typeface="Roboto Mono for Powerline" charset="0"/>
+                <a:ea typeface="Roboto Mono for Powerline" charset="0"/>
+                <a:cs typeface="Roboto Mono for Powerline" charset="0"/>
+              </a:rPr>
+              <a:t>b </a:t>
+            </a:r>
+            <a:r>
+              <a:rPr lang="mr-IN" dirty="0" smtClean="0">
+                <a:solidFill>
+                  <a:srgbClr val="FFC153"/>
+                </a:solidFill>
+                <a:latin typeface="Roboto Mono for Powerline" charset="0"/>
+                <a:ea typeface="Roboto Mono for Powerline" charset="0"/>
+                <a:cs typeface="Roboto Mono for Powerline" charset="0"/>
+              </a:rPr>
+              <a:t>–</a:t>
+            </a:r>
+            <a:r>
+              <a:rPr lang="en-US" dirty="0" smtClean="0">
+                <a:solidFill>
+                  <a:srgbClr val="FFC153"/>
+                </a:solidFill>
+                <a:latin typeface="Roboto Mono for Powerline" charset="0"/>
+                <a:ea typeface="Roboto Mono for Powerline" charset="0"/>
+                <a:cs typeface="Roboto Mono for Powerline" charset="0"/>
+              </a:rPr>
+              <a:t> Mildly Disagree</a:t>
+            </a:r>
+          </a:p>
+          <a:p>
+            <a:pPr algn="l">
+              <a:lnSpc>
+                <a:spcPct val="100000"/>
+              </a:lnSpc>
+            </a:pPr>
+            <a:r>
+              <a:rPr lang="en-US" dirty="0" smtClean="0">
+                <a:solidFill>
+                  <a:srgbClr val="FFC153"/>
+                </a:solidFill>
+                <a:latin typeface="Roboto Mono for Powerline" charset="0"/>
+                <a:ea typeface="Roboto Mono for Powerline" charset="0"/>
+                <a:cs typeface="Roboto Mono for Powerline" charset="0"/>
+              </a:rPr>
+              <a:t>c - Agree</a:t>
+            </a:r>
+          </a:p>
+          <a:p>
+            <a:pPr algn="l">
+              <a:lnSpc>
+                <a:spcPct val="100000"/>
+              </a:lnSpc>
+            </a:pPr>
+            <a:r>
+              <a:rPr lang="en-US" dirty="0" smtClean="0">
+                <a:solidFill>
+                  <a:srgbClr val="FFC153"/>
+                </a:solidFill>
+                <a:latin typeface="Roboto Mono for Powerline" charset="0"/>
+                <a:ea typeface="Roboto Mono for Powerline" charset="0"/>
+                <a:cs typeface="Roboto Mono for Powerline" charset="0"/>
+              </a:rPr>
+              <a:t>d </a:t>
+            </a:r>
+            <a:r>
+              <a:rPr lang="mr-IN" dirty="0" smtClean="0">
+                <a:solidFill>
+                  <a:srgbClr val="FFC153"/>
+                </a:solidFill>
+                <a:latin typeface="Roboto Mono for Powerline" charset="0"/>
+                <a:ea typeface="Roboto Mono for Powerline" charset="0"/>
+                <a:cs typeface="Roboto Mono for Powerline" charset="0"/>
+              </a:rPr>
+              <a:t>–</a:t>
+            </a:r>
+            <a:r>
+              <a:rPr lang="en-US" dirty="0" smtClean="0">
+                <a:solidFill>
+                  <a:srgbClr val="FFC153"/>
+                </a:solidFill>
+                <a:latin typeface="Roboto Mono for Powerline" charset="0"/>
+                <a:ea typeface="Roboto Mono for Powerline" charset="0"/>
+                <a:cs typeface="Roboto Mono for Powerline" charset="0"/>
+              </a:rPr>
+              <a:t> Strongly Agree</a:t>
+            </a:r>
+            <a:endParaRPr lang="en-US" dirty="0" smtClean="0">
+              <a:solidFill>
+                <a:srgbClr val="FFC153"/>
+              </a:solidFill>
+              <a:latin typeface="Roboto Mono for Powerline" charset="0"/>
+              <a:ea typeface="Roboto Mono for Powerline" charset="0"/>
+              <a:cs typeface="Roboto Mono for Powerline" charset="0"/>
+            </a:endParaRPr>
+          </a:p>
+        </p:txBody>
+      </p:sp>
+    </p:spTree>
+    <p:extLst>
+      <p:ext uri="{BB962C8B-B14F-4D97-AF65-F5344CB8AC3E}">
+        <p14:creationId xmlns:p14="http://schemas.microsoft.com/office/powerpoint/2010/main" val="692295255"/>
+      </p:ext>
+    </p:extLst>
+  </p:cSld>
+  <p:clrMapOvr>
+    <a:masterClrMapping/>
+  </p:clrMapOvr>
+  <p:timing>
+    <p:tnLst>
+      <p:par>
+        <p:cTn id="1" dur="indefinite" restart="never" nodeType="tmRoot"/>
+      </p:par>
+    </p:tnLst>
+  </p:timing>
+</p:sld>
+</file>
+
+<file path=ppt/slides/slide17.xml><?xml version="1.0" encoding="utf-8"?>
+<p:sld xmlns:a="http://schemas.openxmlformats.org/drawingml/2006/main" xmlns:r="http://schemas.openxmlformats.org/officeDocument/2006/relationships" xmlns:p="http://schemas.openxmlformats.org/presentationml/2006/main">
+  <p:cSld>
+    <p:bg>
+      <p:bgPr>
+        <a:solidFill>
+          <a:srgbClr val="1C2021"/>
+        </a:solidFill>
+        <a:effectLst/>
+      </p:bgPr>
+    </p:bg>
+    <p:spTree>
+      <p:nvGrpSpPr>
+        <p:cNvPr id="1" name=""/>
+        <p:cNvGrpSpPr/>
+        <p:nvPr/>
+      </p:nvGrpSpPr>
+      <p:grpSpPr>
+        <a:xfrm>
+          <a:off x="0" y="0"/>
+          <a:ext cx="0" cy="0"/>
+          <a:chOff x="0" y="0"/>
+          <a:chExt cx="0" cy="0"/>
+        </a:xfrm>
+      </p:grpSpPr>
+      <p:sp>
+        <p:nvSpPr>
+          <p:cNvPr id="3" name="Subtitle 2"/>
+          <p:cNvSpPr>
+            <a:spLocks noGrp="1"/>
+          </p:cNvSpPr>
+          <p:nvPr>
+            <p:ph type="subTitle" idx="1"/>
+          </p:nvPr>
+        </p:nvSpPr>
+        <p:spPr>
+          <a:xfrm>
+            <a:off x="285008" y="2458522"/>
+            <a:ext cx="11621984" cy="1940956"/>
+          </a:xfrm>
+        </p:spPr>
+        <p:txBody>
+          <a:bodyPr>
+            <a:normAutofit fontScale="40000" lnSpcReduction="20000"/>
+          </a:bodyPr>
+          <a:lstStyle/>
+          <a:p>
+            <a:pPr>
+              <a:lnSpc>
+                <a:spcPct val="120000"/>
+              </a:lnSpc>
+            </a:pPr>
+            <a:r>
+              <a:rPr lang="en-US" sz="6600" dirty="0" err="1" smtClean="0">
+                <a:solidFill>
+                  <a:srgbClr val="FFC153"/>
+                </a:solidFill>
+                <a:latin typeface="Roboto Mono for Powerline" charset="0"/>
+                <a:ea typeface="Roboto Mono for Powerline" charset="0"/>
+                <a:cs typeface="Roboto Mono for Powerline" charset="0"/>
+              </a:rPr>
+              <a:t>GraphQL</a:t>
+            </a:r>
+            <a:r>
+              <a:rPr lang="en-US" sz="6600" dirty="0" smtClean="0">
+                <a:solidFill>
+                  <a:srgbClr val="FFC153"/>
+                </a:solidFill>
+                <a:latin typeface="Roboto Mono for Powerline" charset="0"/>
+                <a:ea typeface="Roboto Mono for Powerline" charset="0"/>
+                <a:cs typeface="Roboto Mono for Powerline" charset="0"/>
+              </a:rPr>
+              <a:t> makes it easy to stich together results from various combined external resources. </a:t>
+            </a:r>
+          </a:p>
+          <a:p>
+            <a:pPr>
+              <a:lnSpc>
+                <a:spcPct val="120000"/>
+              </a:lnSpc>
+            </a:pPr>
+            <a:endParaRPr lang="en-US" sz="6600" dirty="0">
+              <a:solidFill>
+                <a:srgbClr val="FFC153"/>
+              </a:solidFill>
+              <a:latin typeface="Roboto Mono for Powerline" charset="0"/>
+              <a:ea typeface="Roboto Mono for Powerline" charset="0"/>
+              <a:cs typeface="Roboto Mono for Powerline" charset="0"/>
+            </a:endParaRPr>
+          </a:p>
+          <a:p>
+            <a:pPr>
+              <a:lnSpc>
+                <a:spcPct val="120000"/>
+              </a:lnSpc>
+            </a:pPr>
+            <a:r>
+              <a:rPr lang="en-US" sz="6600" dirty="0" smtClean="0">
+                <a:solidFill>
+                  <a:srgbClr val="EC6B56"/>
+                </a:solidFill>
+                <a:latin typeface="Roboto Mono for Powerline" charset="0"/>
+                <a:ea typeface="Roboto Mono for Powerline" charset="0"/>
+                <a:cs typeface="Roboto Mono for Powerline" charset="0"/>
+              </a:rPr>
+              <a:t>An example of this will be shown during the demo.</a:t>
+            </a:r>
+            <a:endParaRPr lang="en-US" sz="6600" dirty="0" smtClean="0">
+              <a:solidFill>
+                <a:srgbClr val="EC6B56"/>
+              </a:solidFill>
+              <a:latin typeface="Roboto Mono for Powerline" charset="0"/>
+              <a:ea typeface="Roboto Mono for Powerline" charset="0"/>
+              <a:cs typeface="Roboto Mono for Powerline" charset="0"/>
+            </a:endParaRPr>
+          </a:p>
+        </p:txBody>
+      </p:sp>
+    </p:spTree>
+    <p:extLst>
+      <p:ext uri="{BB962C8B-B14F-4D97-AF65-F5344CB8AC3E}">
+        <p14:creationId xmlns:p14="http://schemas.microsoft.com/office/powerpoint/2010/main" val="1024334818"/>
+      </p:ext>
+    </p:extLst>
+  </p:cSld>
+  <p:clrMapOvr>
+    <a:masterClrMapping/>
+  </p:clrMapOvr>
+  <p:timing>
+    <p:tnLst>
+      <p:par>
+        <p:cTn id="1" dur="indefinite" restart="never" nodeType="tmRoot"/>
+      </p:par>
+    </p:tnLst>
+  </p:timing>
+</p:sld>
+</file>
+
+<file path=ppt/slides/slide18.xml><?xml version="1.0" encoding="utf-8"?>
 <p:sld xmlns:a="http://schemas.openxmlformats.org/drawingml/2006/main" xmlns:r="http://schemas.openxmlformats.org/officeDocument/2006/relationships" xmlns:p="http://schemas.openxmlformats.org/presentationml/2006/main">
   <p:cSld>
     <p:bg>
@@ -4541,7 +5850,7 @@
     </p:spTree>
     <p:extLst>
       <p:ext uri="{BB962C8B-B14F-4D97-AF65-F5344CB8AC3E}">
-        <p14:creationId xmlns:p14="http://schemas.microsoft.com/office/powerpoint/2010/main" val="1024334818"/>
+        <p14:creationId xmlns:p14="http://schemas.microsoft.com/office/powerpoint/2010/main" val="397288259"/>
       </p:ext>
     </p:extLst>
   </p:cSld>
@@ -4558,7 +5867,7 @@
 </p:sld>
 </file>
 
-<file path=ppt/slides/slide14.xml><?xml version="1.0" encoding="utf-8"?>
+<file path=ppt/slides/slide19.xml><?xml version="1.0" encoding="utf-8"?>
 <p:sld xmlns:a="http://schemas.openxmlformats.org/drawingml/2006/main" xmlns:r="http://schemas.openxmlformats.org/officeDocument/2006/relationships" xmlns:p="http://schemas.openxmlformats.org/presentationml/2006/main">
   <p:cSld>
     <p:bg>
@@ -4700,7 +6009,298 @@
 </p:sld>
 </file>
 
-<file path=ppt/slides/slide15.xml><?xml version="1.0" encoding="utf-8"?>
+<file path=ppt/slides/slide2.xml><?xml version="1.0" encoding="utf-8"?>
+<p:sld xmlns:a="http://schemas.openxmlformats.org/drawingml/2006/main" xmlns:r="http://schemas.openxmlformats.org/officeDocument/2006/relationships" xmlns:p="http://schemas.openxmlformats.org/presentationml/2006/main">
+  <p:cSld>
+    <p:bg>
+      <p:bgPr>
+        <a:solidFill>
+          <a:srgbClr val="1C2021"/>
+        </a:solidFill>
+        <a:effectLst/>
+      </p:bgPr>
+    </p:bg>
+    <p:spTree>
+      <p:nvGrpSpPr>
+        <p:cNvPr id="1" name=""/>
+        <p:cNvGrpSpPr/>
+        <p:nvPr/>
+      </p:nvGrpSpPr>
+      <p:grpSpPr>
+        <a:xfrm>
+          <a:off x="0" y="0"/>
+          <a:ext cx="0" cy="0"/>
+          <a:chOff x="0" y="0"/>
+          <a:chExt cx="0" cy="0"/>
+        </a:xfrm>
+      </p:grpSpPr>
+      <p:sp>
+        <p:nvSpPr>
+          <p:cNvPr id="3" name="Subtitle 2"/>
+          <p:cNvSpPr>
+            <a:spLocks noGrp="1"/>
+          </p:cNvSpPr>
+          <p:nvPr>
+            <p:ph type="subTitle" idx="1"/>
+          </p:nvPr>
+        </p:nvSpPr>
+        <p:spPr>
+          <a:xfrm>
+            <a:off x="1262743" y="1716150"/>
+            <a:ext cx="9666514" cy="3425701"/>
+          </a:xfrm>
+        </p:spPr>
+        <p:txBody>
+          <a:bodyPr>
+            <a:noAutofit/>
+          </a:bodyPr>
+          <a:lstStyle/>
+          <a:p>
+            <a:pPr algn="l">
+              <a:lnSpc>
+                <a:spcPct val="100000"/>
+              </a:lnSpc>
+            </a:pPr>
+            <a:r>
+              <a:rPr lang="en-US" sz="2800" b="1" dirty="0" smtClean="0">
+                <a:solidFill>
+                  <a:srgbClr val="EC6B56"/>
+                </a:solidFill>
+                <a:latin typeface="Roboto Mono for Powerline" charset="0"/>
+                <a:ea typeface="Roboto Mono for Powerline" charset="0"/>
+                <a:cs typeface="Roboto Mono for Powerline" charset="0"/>
+              </a:rPr>
+              <a:t>What is your experience with </a:t>
+            </a:r>
+            <a:r>
+              <a:rPr lang="en-US" sz="2800" b="1" dirty="0" err="1" smtClean="0">
+                <a:solidFill>
+                  <a:srgbClr val="EC6B56"/>
+                </a:solidFill>
+                <a:latin typeface="Roboto Mono for Powerline" charset="0"/>
+                <a:ea typeface="Roboto Mono for Powerline" charset="0"/>
+                <a:cs typeface="Roboto Mono for Powerline" charset="0"/>
+              </a:rPr>
+              <a:t>GraphQL</a:t>
+            </a:r>
+            <a:r>
+              <a:rPr lang="en-US" sz="2800" b="1" dirty="0" smtClean="0">
+                <a:solidFill>
+                  <a:srgbClr val="EC6B56"/>
+                </a:solidFill>
+                <a:latin typeface="Roboto Mono for Powerline" charset="0"/>
+                <a:ea typeface="Roboto Mono for Powerline" charset="0"/>
+                <a:cs typeface="Roboto Mono for Powerline" charset="0"/>
+              </a:rPr>
+              <a:t>:</a:t>
+            </a:r>
+          </a:p>
+          <a:p>
+            <a:pPr algn="l">
+              <a:lnSpc>
+                <a:spcPct val="100000"/>
+              </a:lnSpc>
+            </a:pPr>
+            <a:endParaRPr lang="en-US" dirty="0" smtClean="0">
+              <a:solidFill>
+                <a:srgbClr val="FFC153"/>
+              </a:solidFill>
+              <a:latin typeface="Roboto Mono for Powerline" charset="0"/>
+              <a:ea typeface="Roboto Mono for Powerline" charset="0"/>
+              <a:cs typeface="Roboto Mono for Powerline" charset="0"/>
+            </a:endParaRPr>
+          </a:p>
+          <a:p>
+            <a:pPr algn="l">
+              <a:lnSpc>
+                <a:spcPct val="100000"/>
+              </a:lnSpc>
+            </a:pPr>
+            <a:r>
+              <a:rPr lang="en-US" dirty="0" smtClean="0">
+                <a:solidFill>
+                  <a:srgbClr val="FFC153"/>
+                </a:solidFill>
+                <a:latin typeface="Roboto Mono for Powerline" charset="0"/>
+                <a:ea typeface="Roboto Mono for Powerline" charset="0"/>
+                <a:cs typeface="Roboto Mono for Powerline" charset="0"/>
+              </a:rPr>
+              <a:t>a </a:t>
+            </a:r>
+            <a:r>
+              <a:rPr lang="mr-IN" dirty="0" smtClean="0">
+                <a:solidFill>
+                  <a:srgbClr val="FFC153"/>
+                </a:solidFill>
+                <a:latin typeface="Roboto Mono for Powerline" charset="0"/>
+                <a:ea typeface="Roboto Mono for Powerline" charset="0"/>
+                <a:cs typeface="Roboto Mono for Powerline" charset="0"/>
+              </a:rPr>
+              <a:t>–</a:t>
+            </a:r>
+            <a:r>
+              <a:rPr lang="en-US" dirty="0" smtClean="0">
+                <a:solidFill>
+                  <a:srgbClr val="FFC153"/>
+                </a:solidFill>
+                <a:latin typeface="Roboto Mono for Powerline" charset="0"/>
+                <a:ea typeface="Roboto Mono for Powerline" charset="0"/>
+                <a:cs typeface="Roboto Mono for Powerline" charset="0"/>
+              </a:rPr>
+              <a:t> never heard of it</a:t>
+            </a:r>
+          </a:p>
+          <a:p>
+            <a:pPr algn="l">
+              <a:lnSpc>
+                <a:spcPct val="100000"/>
+              </a:lnSpc>
+            </a:pPr>
+            <a:r>
+              <a:rPr lang="en-US" dirty="0" smtClean="0">
+                <a:solidFill>
+                  <a:srgbClr val="FFC153"/>
+                </a:solidFill>
+                <a:latin typeface="Roboto Mono for Powerline" charset="0"/>
+                <a:ea typeface="Roboto Mono for Powerline" charset="0"/>
+                <a:cs typeface="Roboto Mono for Powerline" charset="0"/>
+              </a:rPr>
+              <a:t>b </a:t>
+            </a:r>
+            <a:r>
+              <a:rPr lang="mr-IN" dirty="0" smtClean="0">
+                <a:solidFill>
+                  <a:srgbClr val="FFC153"/>
+                </a:solidFill>
+                <a:latin typeface="Roboto Mono for Powerline" charset="0"/>
+                <a:ea typeface="Roboto Mono for Powerline" charset="0"/>
+                <a:cs typeface="Roboto Mono for Powerline" charset="0"/>
+              </a:rPr>
+              <a:t>–</a:t>
+            </a:r>
+            <a:r>
+              <a:rPr lang="en-US" dirty="0" smtClean="0">
+                <a:solidFill>
+                  <a:srgbClr val="FFC153"/>
+                </a:solidFill>
+                <a:latin typeface="Roboto Mono for Powerline" charset="0"/>
+                <a:ea typeface="Roboto Mono for Powerline" charset="0"/>
+                <a:cs typeface="Roboto Mono for Powerline" charset="0"/>
+              </a:rPr>
+              <a:t> heard of it but have never used it</a:t>
+            </a:r>
+          </a:p>
+          <a:p>
+            <a:pPr algn="l">
+              <a:lnSpc>
+                <a:spcPct val="100000"/>
+              </a:lnSpc>
+            </a:pPr>
+            <a:r>
+              <a:rPr lang="en-US" dirty="0" smtClean="0">
+                <a:solidFill>
+                  <a:srgbClr val="FFC153"/>
+                </a:solidFill>
+                <a:latin typeface="Roboto Mono for Powerline" charset="0"/>
+                <a:ea typeface="Roboto Mono for Powerline" charset="0"/>
+                <a:cs typeface="Roboto Mono for Powerline" charset="0"/>
+              </a:rPr>
+              <a:t>c </a:t>
+            </a:r>
+            <a:r>
+              <a:rPr lang="mr-IN" dirty="0" smtClean="0">
+                <a:solidFill>
+                  <a:srgbClr val="FFC153"/>
+                </a:solidFill>
+                <a:latin typeface="Roboto Mono for Powerline" charset="0"/>
+                <a:ea typeface="Roboto Mono for Powerline" charset="0"/>
+                <a:cs typeface="Roboto Mono for Powerline" charset="0"/>
+              </a:rPr>
+              <a:t>–</a:t>
+            </a:r>
+            <a:r>
+              <a:rPr lang="en-US" dirty="0" smtClean="0">
+                <a:solidFill>
+                  <a:srgbClr val="FFC153"/>
+                </a:solidFill>
+                <a:latin typeface="Roboto Mono for Powerline" charset="0"/>
+                <a:ea typeface="Roboto Mono for Powerline" charset="0"/>
+                <a:cs typeface="Roboto Mono for Powerline" charset="0"/>
+              </a:rPr>
+              <a:t> used it in a sandbox or pet project</a:t>
+            </a:r>
+          </a:p>
+          <a:p>
+            <a:pPr algn="l">
+              <a:lnSpc>
+                <a:spcPct val="100000"/>
+              </a:lnSpc>
+            </a:pPr>
+            <a:r>
+              <a:rPr lang="en-US" dirty="0" smtClean="0">
+                <a:solidFill>
+                  <a:srgbClr val="FFC153"/>
+                </a:solidFill>
+                <a:latin typeface="Roboto Mono for Powerline" charset="0"/>
+                <a:ea typeface="Roboto Mono for Powerline" charset="0"/>
+                <a:cs typeface="Roboto Mono for Powerline" charset="0"/>
+              </a:rPr>
+              <a:t>d </a:t>
+            </a:r>
+            <a:r>
+              <a:rPr lang="mr-IN" dirty="0" smtClean="0">
+                <a:solidFill>
+                  <a:srgbClr val="FFC153"/>
+                </a:solidFill>
+                <a:latin typeface="Roboto Mono for Powerline" charset="0"/>
+                <a:ea typeface="Roboto Mono for Powerline" charset="0"/>
+                <a:cs typeface="Roboto Mono for Powerline" charset="0"/>
+              </a:rPr>
+              <a:t>–</a:t>
+            </a:r>
+            <a:r>
+              <a:rPr lang="en-US" dirty="0" smtClean="0">
+                <a:solidFill>
+                  <a:srgbClr val="FFC153"/>
+                </a:solidFill>
+                <a:latin typeface="Roboto Mono for Powerline" charset="0"/>
+                <a:ea typeface="Roboto Mono for Powerline" charset="0"/>
+                <a:cs typeface="Roboto Mono for Powerline" charset="0"/>
+              </a:rPr>
+              <a:t> used it in production</a:t>
+            </a:r>
+            <a:endParaRPr lang="en-US" dirty="0" smtClean="0">
+              <a:solidFill>
+                <a:srgbClr val="FFC153"/>
+              </a:solidFill>
+              <a:latin typeface="Roboto Mono for Powerline" charset="0"/>
+              <a:ea typeface="Roboto Mono for Powerline" charset="0"/>
+              <a:cs typeface="Roboto Mono for Powerline" charset="0"/>
+            </a:endParaRPr>
+          </a:p>
+        </p:txBody>
+      </p:sp>
+    </p:spTree>
+    <p:extLst>
+      <p:ext uri="{BB962C8B-B14F-4D97-AF65-F5344CB8AC3E}">
+        <p14:creationId xmlns:p14="http://schemas.microsoft.com/office/powerpoint/2010/main" val="395183242"/>
+      </p:ext>
+    </p:extLst>
+  </p:cSld>
+  <p:clrMapOvr>
+    <a:masterClrMapping/>
+  </p:clrMapOvr>
+  <p:timing>
+    <p:tnLst>
+      <p:par>
+        <p:cTn id="1" dur="indefinite" restart="never" nodeType="tmRoot"/>
+      </p:par>
+    </p:tnLst>
+  </p:timing>
+</p:sld>
+</file>
+
+<file path=ppt/slides/slide20.xml><?xml version="1.0" encoding="utf-8"?>
 <p:sld xmlns:a="http://schemas.openxmlformats.org/drawingml/2006/main" xmlns:r="http://schemas.openxmlformats.org/officeDocument/2006/relationships" xmlns:p="http://schemas.openxmlformats.org/presentationml/2006/main">
   <p:cSld>
     <p:bg>
@@ -4842,7 +6442,7 @@
 </p:sld>
 </file>
 
-<file path=ppt/slides/slide16.xml><?xml version="1.0" encoding="utf-8"?>
+<file path=ppt/slides/slide21.xml><?xml version="1.0" encoding="utf-8"?>
 <p:sld xmlns:a="http://schemas.openxmlformats.org/drawingml/2006/main" xmlns:r="http://schemas.openxmlformats.org/officeDocument/2006/relationships" xmlns:p="http://schemas.openxmlformats.org/presentationml/2006/main">
   <p:cSld>
     <p:bg>
@@ -4980,7 +6580,7 @@
 </p:sld>
 </file>
 
-<file path=ppt/slides/slide17.xml><?xml version="1.0" encoding="utf-8"?>
+<file path=ppt/slides/slide22.xml><?xml version="1.0" encoding="utf-8"?>
 <p:sld xmlns:a="http://schemas.openxmlformats.org/drawingml/2006/main" xmlns:r="http://schemas.openxmlformats.org/officeDocument/2006/relationships" xmlns:p="http://schemas.openxmlformats.org/presentationml/2006/main">
   <p:cSld>
     <p:bg>
@@ -5017,13 +6617,13 @@
         </p:nvSpPr>
         <p:spPr>
           <a:xfrm>
-            <a:off x="772185" y="2625272"/>
-            <a:ext cx="10647630" cy="1607457"/>
+            <a:off x="645371" y="1888589"/>
+            <a:ext cx="10901259" cy="3080823"/>
           </a:xfrm>
         </p:spPr>
         <p:txBody>
           <a:bodyPr>
-            <a:normAutofit/>
+            <a:normAutofit fontScale="92500"/>
           </a:bodyPr>
           <a:lstStyle/>
           <a:p>
@@ -5043,6 +6643,127 @@
               </a:rPr>
               <a:t>DEMO TIME!</a:t>
             </a:r>
+          </a:p>
+          <a:p>
+            <a:pPr>
+              <a:lnSpc>
+                <a:spcPct val="120000"/>
+              </a:lnSpc>
+            </a:pPr>
+            <a:r>
+              <a:rPr lang="en-US" sz="3600" dirty="0" smtClean="0">
+                <a:solidFill>
+                  <a:srgbClr val="FFC153"/>
+                </a:solidFill>
+                <a:latin typeface="Roboto Mono for Powerline" charset="0"/>
+                <a:ea typeface="Roboto Mono for Powerline" charset="0"/>
+                <a:cs typeface="Roboto Mono for Powerline" charset="0"/>
+              </a:rPr>
+              <a:t>source code available at: </a:t>
+            </a:r>
+          </a:p>
+          <a:p>
+            <a:pPr>
+              <a:lnSpc>
+                <a:spcPct val="120000"/>
+              </a:lnSpc>
+            </a:pPr>
+            <a:r>
+              <a:rPr lang="en-US" sz="3600" dirty="0" err="1" smtClean="0">
+                <a:solidFill>
+                  <a:srgbClr val="16BC9C"/>
+                </a:solidFill>
+                <a:latin typeface="Roboto Mono for Powerline" charset="0"/>
+                <a:ea typeface="Roboto Mono for Powerline" charset="0"/>
+                <a:cs typeface="Roboto Mono for Powerline" charset="0"/>
+              </a:rPr>
+              <a:t>github.com</a:t>
+            </a:r>
+            <a:r>
+              <a:rPr lang="en-US" sz="3600" dirty="0" smtClean="0">
+                <a:solidFill>
+                  <a:srgbClr val="16BC9C"/>
+                </a:solidFill>
+                <a:latin typeface="Roboto Mono for Powerline" charset="0"/>
+                <a:ea typeface="Roboto Mono for Powerline" charset="0"/>
+                <a:cs typeface="Roboto Mono for Powerline" charset="0"/>
+              </a:rPr>
+              <a:t>/</a:t>
+            </a:r>
+            <a:r>
+              <a:rPr lang="en-US" sz="3600" dirty="0" err="1" smtClean="0">
+                <a:solidFill>
+                  <a:srgbClr val="16BC9C"/>
+                </a:solidFill>
+                <a:latin typeface="Roboto Mono for Powerline" charset="0"/>
+                <a:ea typeface="Roboto Mono for Powerline" charset="0"/>
+                <a:cs typeface="Roboto Mono for Powerline" charset="0"/>
+              </a:rPr>
+              <a:t>nafeu-pelmorex</a:t>
+            </a:r>
+            <a:r>
+              <a:rPr lang="en-US" sz="3600" dirty="0" smtClean="0">
+                <a:solidFill>
+                  <a:srgbClr val="16BC9C"/>
+                </a:solidFill>
+                <a:latin typeface="Roboto Mono for Powerline" charset="0"/>
+                <a:ea typeface="Roboto Mono for Powerline" charset="0"/>
+                <a:cs typeface="Roboto Mono for Powerline" charset="0"/>
+              </a:rPr>
+              <a:t>/</a:t>
+            </a:r>
+            <a:r>
+              <a:rPr lang="en-US" sz="3600" dirty="0" smtClean="0">
+                <a:solidFill>
+                  <a:srgbClr val="EC6B56"/>
+                </a:solidFill>
+                <a:latin typeface="Roboto Mono for Powerline" charset="0"/>
+                <a:ea typeface="Roboto Mono for Powerline" charset="0"/>
+                <a:cs typeface="Roboto Mono for Powerline" charset="0"/>
+              </a:rPr>
+              <a:t>pa-</a:t>
+            </a:r>
+            <a:r>
+              <a:rPr lang="en-US" sz="3600" dirty="0" err="1" smtClean="0">
+                <a:solidFill>
+                  <a:srgbClr val="EC6B56"/>
+                </a:solidFill>
+                <a:latin typeface="Roboto Mono for Powerline" charset="0"/>
+                <a:ea typeface="Roboto Mono for Powerline" charset="0"/>
+                <a:cs typeface="Roboto Mono for Powerline" charset="0"/>
+              </a:rPr>
+              <a:t>graphql</a:t>
+            </a:r>
+            <a:r>
+              <a:rPr lang="en-US" sz="3600" dirty="0" smtClean="0">
+                <a:solidFill>
+                  <a:srgbClr val="EC6B56"/>
+                </a:solidFill>
+                <a:latin typeface="Roboto Mono for Powerline" charset="0"/>
+                <a:ea typeface="Roboto Mono for Powerline" charset="0"/>
+                <a:cs typeface="Roboto Mono for Powerline" charset="0"/>
+              </a:rPr>
+              <a:t>-</a:t>
+            </a:r>
+            <a:r>
+              <a:rPr lang="en-US" sz="3600" dirty="0" err="1" smtClean="0">
+                <a:solidFill>
+                  <a:srgbClr val="EC6B56"/>
+                </a:solidFill>
+                <a:latin typeface="Roboto Mono for Powerline" charset="0"/>
+                <a:ea typeface="Roboto Mono for Powerline" charset="0"/>
+                <a:cs typeface="Roboto Mono for Powerline" charset="0"/>
+              </a:rPr>
+              <a:t>lnl</a:t>
+            </a:r>
+            <a:endParaRPr lang="en-US" sz="3600" dirty="0" smtClean="0">
+              <a:solidFill>
+                <a:srgbClr val="EC6B56"/>
+              </a:solidFill>
+              <a:latin typeface="Roboto Mono for Powerline" charset="0"/>
+              <a:ea typeface="Roboto Mono for Powerline" charset="0"/>
+              <a:cs typeface="Roboto Mono for Powerline" charset="0"/>
+            </a:endParaRPr>
           </a:p>
         </p:txBody>
       </p:sp>
@@ -5066,7 +6787,7 @@
 </p:sld>
 </file>
 
-<file path=ppt/slides/slide18.xml><?xml version="1.0" encoding="utf-8"?>
+<file path=ppt/slides/slide23.xml><?xml version="1.0" encoding="utf-8"?>
 <p:sld xmlns:a="http://schemas.openxmlformats.org/drawingml/2006/main" xmlns:r="http://schemas.openxmlformats.org/officeDocument/2006/relationships" xmlns:p="http://schemas.openxmlformats.org/presentationml/2006/main">
   <p:cSld>
     <p:bg>
@@ -5261,117 +6982,6 @@
     <p:extLst>
       <p:ext uri="{BB962C8B-B14F-4D97-AF65-F5344CB8AC3E}">
         <p14:creationId xmlns:p14="http://schemas.microsoft.com/office/powerpoint/2010/main" val="1956725070"/>
-      </p:ext>
-    </p:extLst>
-  </p:cSld>
-  <p:clrMapOvr>
-    <a:masterClrMapping/>
-  </p:clrMapOvr>
-  <p:timing>
-    <p:tnLst>
-      <p:par>
-        <p:cTn id="1" dur="indefinite" restart="never" nodeType="tmRoot"/>
-      </p:par>
-    </p:tnLst>
-  </p:timing>
-</p:sld>
-</file>
-
-<file path=ppt/slides/slide2.xml><?xml version="1.0" encoding="utf-8"?>
-<p:sld xmlns:a="http://schemas.openxmlformats.org/drawingml/2006/main" xmlns:r="http://schemas.openxmlformats.org/officeDocument/2006/relationships" xmlns:p="http://schemas.openxmlformats.org/presentationml/2006/main">
-  <p:cSld>
-    <p:bg>
-      <p:bgPr>
-        <a:solidFill>
-          <a:srgbClr val="1C2021"/>
-        </a:solidFill>
-        <a:effectLst/>
-      </p:bgPr>
-    </p:bg>
-    <p:spTree>
-      <p:nvGrpSpPr>
-        <p:cNvPr id="1" name=""/>
-        <p:cNvGrpSpPr/>
-        <p:nvPr/>
-      </p:nvGrpSpPr>
-      <p:grpSpPr>
-        <a:xfrm>
-          <a:off x="0" y="0"/>
-          <a:ext cx="0" cy="0"/>
-          <a:chOff x="0" y="0"/>
-          <a:chExt cx="0" cy="0"/>
-        </a:xfrm>
-      </p:grpSpPr>
-      <p:sp>
-        <p:nvSpPr>
-          <p:cNvPr id="3" name="Subtitle 2"/>
-          <p:cNvSpPr>
-            <a:spLocks noGrp="1"/>
-          </p:cNvSpPr>
-          <p:nvPr>
-            <p:ph type="subTitle" idx="1"/>
-          </p:nvPr>
-        </p:nvSpPr>
-        <p:spPr>
-          <a:xfrm>
-            <a:off x="285008" y="2458522"/>
-            <a:ext cx="11621984" cy="1940956"/>
-          </a:xfrm>
-        </p:spPr>
-        <p:txBody>
-          <a:bodyPr>
-            <a:normAutofit/>
-          </a:bodyPr>
-          <a:lstStyle/>
-          <a:p>
-            <a:r>
-              <a:rPr lang="en-US" sz="6600" dirty="0" smtClean="0">
-                <a:solidFill>
-                  <a:srgbClr val="FFC153"/>
-                </a:solidFill>
-                <a:latin typeface="Roboto Mono for Powerline" charset="0"/>
-                <a:ea typeface="Roboto Mono for Powerline" charset="0"/>
-                <a:cs typeface="Roboto Mono for Powerline" charset="0"/>
-              </a:rPr>
-              <a:t>What is </a:t>
-            </a:r>
-            <a:r>
-              <a:rPr lang="en-US" sz="6600" dirty="0" err="1" smtClean="0">
-                <a:solidFill>
-                  <a:srgbClr val="FFC153"/>
-                </a:solidFill>
-                <a:latin typeface="Roboto Mono for Powerline" charset="0"/>
-                <a:ea typeface="Roboto Mono for Powerline" charset="0"/>
-                <a:cs typeface="Roboto Mono for Powerline" charset="0"/>
-              </a:rPr>
-              <a:t>GraphQL</a:t>
-            </a:r>
-            <a:r>
-              <a:rPr lang="en-US" sz="6600" dirty="0" smtClean="0">
-                <a:solidFill>
-                  <a:srgbClr val="FFC153"/>
-                </a:solidFill>
-                <a:latin typeface="Roboto Mono for Powerline" charset="0"/>
-                <a:ea typeface="Roboto Mono for Powerline" charset="0"/>
-                <a:cs typeface="Roboto Mono for Powerline" charset="0"/>
-              </a:rPr>
-              <a:t>?</a:t>
-            </a:r>
-            <a:endParaRPr lang="en-US" sz="6600" dirty="0" smtClean="0">
-              <a:solidFill>
-                <a:srgbClr val="FFC153"/>
-              </a:solidFill>
-              <a:latin typeface="Roboto Mono for Powerline" charset="0"/>
-              <a:ea typeface="Roboto Mono for Powerline" charset="0"/>
-              <a:cs typeface="Roboto Mono for Powerline" charset="0"/>
-            </a:endParaRPr>
-          </a:p>
-        </p:txBody>
-      </p:sp>
-    </p:spTree>
-    <p:extLst>
-      <p:ext uri="{BB962C8B-B14F-4D97-AF65-F5344CB8AC3E}">
-        <p14:creationId xmlns:p14="http://schemas.microsoft.com/office/powerpoint/2010/main" val="1317520279"/>
       </p:ext>
     </p:extLst>
   </p:cSld>
@@ -5425,21 +7035,16 @@
         </p:nvSpPr>
         <p:spPr>
           <a:xfrm>
-            <a:off x="285008" y="988621"/>
-            <a:ext cx="11621984" cy="4880758"/>
+            <a:off x="285008" y="2458522"/>
+            <a:ext cx="11621984" cy="1940956"/>
           </a:xfrm>
         </p:spPr>
         <p:txBody>
           <a:bodyPr>
-            <a:normAutofit fontScale="40000" lnSpcReduction="20000"/>
+            <a:normAutofit/>
           </a:bodyPr>
           <a:lstStyle/>
           <a:p>
-            <a:pPr algn="l">
-              <a:lnSpc>
-                <a:spcPct val="120000"/>
-              </a:lnSpc>
-            </a:pPr>
             <a:r>
               <a:rPr lang="en-US" sz="6600" dirty="0" smtClean="0">
                 <a:solidFill>
@@ -5449,219 +7054,29 @@
                 <a:ea typeface="Roboto Mono for Powerline" charset="0"/>
                 <a:cs typeface="Roboto Mono for Powerline" charset="0"/>
               </a:rPr>
-              <a:t>First lets get some context:</a:t>
-            </a:r>
-          </a:p>
-          <a:p>
-            <a:pPr algn="l">
-              <a:lnSpc>
-                <a:spcPct val="120000"/>
-              </a:lnSpc>
-            </a:pPr>
-            <a:endParaRPr lang="en-US" sz="6600" dirty="0">
-              <a:solidFill>
-                <a:srgbClr val="EC6B56"/>
-              </a:solidFill>
-              <a:latin typeface="Roboto Mono for Powerline" charset="0"/>
-              <a:ea typeface="Roboto Mono for Powerline" charset="0"/>
-              <a:cs typeface="Roboto Mono for Powerline" charset="0"/>
-            </a:endParaRPr>
-          </a:p>
-          <a:p>
-            <a:pPr algn="l">
-              <a:lnSpc>
-                <a:spcPct val="120000"/>
-              </a:lnSpc>
-            </a:pPr>
+              <a:t>What is </a:t>
+            </a:r>
+            <a:r>
+              <a:rPr lang="en-US" sz="6600" dirty="0" err="1" smtClean="0">
+                <a:solidFill>
+                  <a:srgbClr val="FFC153"/>
+                </a:solidFill>
+                <a:latin typeface="Roboto Mono for Powerline" charset="0"/>
+                <a:ea typeface="Roboto Mono for Powerline" charset="0"/>
+                <a:cs typeface="Roboto Mono for Powerline" charset="0"/>
+              </a:rPr>
+              <a:t>GraphQL</a:t>
+            </a:r>
             <a:r>
               <a:rPr lang="en-US" sz="6600" dirty="0" smtClean="0">
                 <a:solidFill>
-                  <a:srgbClr val="EC6B56"/>
-                </a:solidFill>
-                <a:latin typeface="Roboto Mono for Powerline" charset="0"/>
-                <a:ea typeface="Roboto Mono for Powerline" charset="0"/>
-                <a:cs typeface="Roboto Mono for Powerline" charset="0"/>
-              </a:rPr>
-              <a:t>Graph</a:t>
-            </a:r>
-            <a:r>
-              <a:rPr lang="en-US" sz="6600" dirty="0" smtClean="0">
-                <a:solidFill>
-                  <a:srgbClr val="FFC153"/>
-                </a:solidFill>
-                <a:latin typeface="Roboto Mono for Powerline" charset="0"/>
-                <a:ea typeface="Roboto Mono for Powerline" charset="0"/>
-                <a:cs typeface="Roboto Mono for Powerline" charset="0"/>
-              </a:rPr>
-              <a:t> =&gt; </a:t>
-            </a:r>
-            <a:r>
-              <a:rPr lang="en-US" sz="6600" dirty="0">
-                <a:solidFill>
-                  <a:srgbClr val="FFC153"/>
-                </a:solidFill>
-                <a:latin typeface="Roboto Mono for Powerline" charset="0"/>
-                <a:ea typeface="Roboto Mono for Powerline" charset="0"/>
-                <a:cs typeface="Roboto Mono for Powerline" charset="0"/>
-              </a:rPr>
-              <a:t>thinking of a problem in terms of nodes and </a:t>
-            </a:r>
-            <a:r>
-              <a:rPr lang="en-US" sz="6600" dirty="0" smtClean="0">
-                <a:solidFill>
-                  <a:srgbClr val="FFC153"/>
-                </a:solidFill>
-                <a:latin typeface="Roboto Mono for Powerline" charset="0"/>
-                <a:ea typeface="Roboto Mono for Powerline" charset="0"/>
-                <a:cs typeface="Roboto Mono for Powerline" charset="0"/>
-              </a:rPr>
-              <a:t>edges</a:t>
-            </a:r>
-          </a:p>
-          <a:p>
-            <a:pPr algn="l">
-              <a:lnSpc>
-                <a:spcPct val="120000"/>
-              </a:lnSpc>
-            </a:pPr>
-            <a:r>
-              <a:rPr lang="en-US" sz="6600" dirty="0" smtClean="0">
-                <a:solidFill>
-                  <a:srgbClr val="EC6B56"/>
-                </a:solidFill>
-                <a:latin typeface="Roboto Mono for Powerline" charset="0"/>
-                <a:ea typeface="Roboto Mono for Powerline" charset="0"/>
-                <a:cs typeface="Roboto Mono for Powerline" charset="0"/>
-              </a:rPr>
-              <a:t>QL</a:t>
-            </a:r>
-            <a:r>
-              <a:rPr lang="en-US" sz="6600" dirty="0" smtClean="0">
-                <a:solidFill>
-                  <a:srgbClr val="FFC153"/>
-                </a:solidFill>
-                <a:latin typeface="Roboto Mono for Powerline" charset="0"/>
-                <a:ea typeface="Roboto Mono for Powerline" charset="0"/>
-                <a:cs typeface="Roboto Mono for Powerline" charset="0"/>
-              </a:rPr>
-              <a:t> =&gt; </a:t>
-            </a:r>
-            <a:r>
-              <a:rPr lang="en-US" sz="6600" dirty="0">
-                <a:solidFill>
-                  <a:srgbClr val="FFC153"/>
-                </a:solidFill>
-                <a:latin typeface="Roboto Mono for Powerline" charset="0"/>
-                <a:ea typeface="Roboto Mono for Powerline" charset="0"/>
-                <a:cs typeface="Roboto Mono for Powerline" charset="0"/>
-              </a:rPr>
-              <a:t>query language (a way of asking for data</a:t>
-            </a:r>
-            <a:r>
-              <a:rPr lang="en-US" sz="6600" dirty="0" smtClean="0">
-                <a:solidFill>
-                  <a:srgbClr val="FFC153"/>
-                </a:solidFill>
-                <a:latin typeface="Roboto Mono for Powerline" charset="0"/>
-                <a:ea typeface="Roboto Mono for Powerline" charset="0"/>
-                <a:cs typeface="Roboto Mono for Powerline" charset="0"/>
-              </a:rPr>
-              <a:t>)</a:t>
-            </a:r>
-          </a:p>
-          <a:p>
-            <a:pPr algn="l">
-              <a:lnSpc>
-                <a:spcPct val="120000"/>
-              </a:lnSpc>
-            </a:pPr>
-            <a:r>
-              <a:rPr lang="en-US" sz="6600" dirty="0" err="1" smtClean="0">
-                <a:solidFill>
-                  <a:srgbClr val="EC6B56"/>
-                </a:solidFill>
-                <a:latin typeface="Roboto Mono for Powerline" charset="0"/>
-                <a:ea typeface="Roboto Mono for Powerline" charset="0"/>
-                <a:cs typeface="Roboto Mono for Powerline" charset="0"/>
-              </a:rPr>
-              <a:t>GraphQL</a:t>
-            </a:r>
-            <a:r>
-              <a:rPr lang="en-US" sz="6600" dirty="0" smtClean="0">
-                <a:solidFill>
-                  <a:srgbClr val="FFC153"/>
-                </a:solidFill>
-                <a:latin typeface="Roboto Mono for Powerline" charset="0"/>
-                <a:ea typeface="Roboto Mono for Powerline" charset="0"/>
-                <a:cs typeface="Roboto Mono for Powerline" charset="0"/>
-              </a:rPr>
-              <a:t> =&gt; </a:t>
-            </a:r>
-            <a:r>
-              <a:rPr lang="en-US" sz="6600" dirty="0">
-                <a:solidFill>
-                  <a:srgbClr val="FFC153"/>
-                </a:solidFill>
-                <a:latin typeface="Roboto Mono for Powerline" charset="0"/>
-                <a:ea typeface="Roboto Mono for Powerline" charset="0"/>
-                <a:cs typeface="Roboto Mono for Powerline" charset="0"/>
-              </a:rPr>
-              <a:t>a way of asking for data in terms of nodes and </a:t>
-            </a:r>
-            <a:r>
-              <a:rPr lang="en-US" sz="6600" dirty="0" smtClean="0">
-                <a:solidFill>
-                  <a:srgbClr val="FFC153"/>
-                </a:solidFill>
-                <a:latin typeface="Roboto Mono for Powerline" charset="0"/>
-                <a:ea typeface="Roboto Mono for Powerline" charset="0"/>
-                <a:cs typeface="Roboto Mono for Powerline" charset="0"/>
-              </a:rPr>
-              <a:t>edges</a:t>
-            </a:r>
-          </a:p>
-          <a:p>
-            <a:pPr algn="l">
-              <a:lnSpc>
-                <a:spcPct val="120000"/>
-              </a:lnSpc>
-            </a:pPr>
-            <a:endParaRPr lang="en-US" sz="6600" dirty="0">
-              <a:solidFill>
-                <a:srgbClr val="FFC153"/>
-              </a:solidFill>
-              <a:latin typeface="Roboto Mono for Powerline" charset="0"/>
-              <a:ea typeface="Roboto Mono for Powerline" charset="0"/>
-              <a:cs typeface="Roboto Mono for Powerline" charset="0"/>
-            </a:endParaRPr>
-          </a:p>
-          <a:p>
-            <a:pPr algn="l">
-              <a:lnSpc>
-                <a:spcPct val="120000"/>
-              </a:lnSpc>
-            </a:pPr>
-            <a:r>
-              <a:rPr lang="en-US" sz="6600" dirty="0" smtClean="0">
-                <a:solidFill>
-                  <a:srgbClr val="FFC153"/>
-                </a:solidFill>
-                <a:latin typeface="Roboto Mono for Powerline" charset="0"/>
-                <a:ea typeface="Roboto Mono for Powerline" charset="0"/>
-                <a:cs typeface="Roboto Mono for Powerline" charset="0"/>
-              </a:rPr>
-              <a:t>Imagine querying an API in terms of nodes and edges instead of endpoints</a:t>
-            </a:r>
-            <a:r>
-              <a:rPr lang="en-US" sz="6600" dirty="0">
-                <a:solidFill>
-                  <a:srgbClr val="FFC153"/>
-                </a:solidFill>
-                <a:latin typeface="Roboto Mono for Powerline" charset="0"/>
-                <a:ea typeface="Roboto Mono for Powerline" charset="0"/>
-                <a:cs typeface="Roboto Mono for Powerline" charset="0"/>
-              </a:rPr>
-              <a:t>.</a:t>
+                  <a:srgbClr val="FFC153"/>
+                </a:solidFill>
+                <a:latin typeface="Roboto Mono for Powerline" charset="0"/>
+                <a:ea typeface="Roboto Mono for Powerline" charset="0"/>
+                <a:cs typeface="Roboto Mono for Powerline" charset="0"/>
+              </a:rPr>
+              <a:t>?</a:t>
             </a:r>
             <a:endParaRPr lang="en-US" sz="6600" dirty="0" smtClean="0">
               <a:solidFill>
@@ -5674,6 +7089,396 @@
           </a:p>
         </p:txBody>
       </p:sp>
+    </p:spTree>
+    <p:extLst>
+      <p:ext uri="{BB962C8B-B14F-4D97-AF65-F5344CB8AC3E}">
+        <p14:creationId xmlns:p14="http://schemas.microsoft.com/office/powerpoint/2010/main" val="1317520279"/>
+      </p:ext>
+    </p:extLst>
+  </p:cSld>
+  <p:clrMapOvr>
+    <a:masterClrMapping/>
+  </p:clrMapOvr>
+  <p:timing>
+    <p:tnLst>
+      <p:par>
+        <p:cTn id="1" dur="indefinite" restart="never" nodeType="tmRoot"/>
+      </p:par>
+    </p:tnLst>
+  </p:timing>
+</p:sld>
+</file>
+
+<file path=ppt/slides/slide4.xml><?xml version="1.0" encoding="utf-8"?>
+<p:sld xmlns:a="http://schemas.openxmlformats.org/drawingml/2006/main" xmlns:r="http://schemas.openxmlformats.org/officeDocument/2006/relationships" xmlns:p="http://schemas.openxmlformats.org/presentationml/2006/main">
+  <p:cSld>
+    <p:bg>
+      <p:bgPr>
+        <a:solidFill>
+          <a:srgbClr val="1C2021"/>
+        </a:solidFill>
+        <a:effectLst/>
+      </p:bgPr>
+    </p:bg>
+    <p:spTree>
+      <p:nvGrpSpPr>
+        <p:cNvPr id="1" name=""/>
+        <p:cNvGrpSpPr/>
+        <p:nvPr/>
+      </p:nvGrpSpPr>
+      <p:grpSpPr>
+        <a:xfrm>
+          <a:off x="0" y="0"/>
+          <a:ext cx="0" cy="0"/>
+          <a:chOff x="0" y="0"/>
+          <a:chExt cx="0" cy="0"/>
+        </a:xfrm>
+      </p:grpSpPr>
+      <p:sp>
+        <p:nvSpPr>
+          <p:cNvPr id="3" name="Subtitle 2"/>
+          <p:cNvSpPr>
+            <a:spLocks noGrp="1"/>
+          </p:cNvSpPr>
+          <p:nvPr>
+            <p:ph type="subTitle" idx="1"/>
+          </p:nvPr>
+        </p:nvSpPr>
+        <p:spPr>
+          <a:xfrm>
+            <a:off x="296883" y="596846"/>
+            <a:ext cx="6875813" cy="4880758"/>
+          </a:xfrm>
+        </p:spPr>
+        <p:txBody>
+          <a:bodyPr>
+            <a:noAutofit/>
+          </a:bodyPr>
+          <a:lstStyle/>
+          <a:p>
+            <a:pPr algn="l">
+              <a:lnSpc>
+                <a:spcPct val="120000"/>
+              </a:lnSpc>
+            </a:pPr>
+            <a:r>
+              <a:rPr lang="en-US" sz="2000" dirty="0" smtClean="0">
+                <a:solidFill>
+                  <a:srgbClr val="FFC153"/>
+                </a:solidFill>
+                <a:latin typeface="Roboto Mono for Powerline" charset="0"/>
+                <a:ea typeface="Roboto Mono for Powerline" charset="0"/>
+                <a:cs typeface="Roboto Mono for Powerline" charset="0"/>
+              </a:rPr>
+              <a:t>First lets get some context:</a:t>
+            </a:r>
+          </a:p>
+          <a:p>
+            <a:pPr algn="l">
+              <a:lnSpc>
+                <a:spcPct val="120000"/>
+              </a:lnSpc>
+            </a:pPr>
+            <a:endParaRPr lang="en-US" sz="2000" dirty="0">
+              <a:solidFill>
+                <a:srgbClr val="EC6B56"/>
+              </a:solidFill>
+              <a:latin typeface="Roboto Mono for Powerline" charset="0"/>
+              <a:ea typeface="Roboto Mono for Powerline" charset="0"/>
+              <a:cs typeface="Roboto Mono for Powerline" charset="0"/>
+            </a:endParaRPr>
+          </a:p>
+          <a:p>
+            <a:pPr algn="l">
+              <a:lnSpc>
+                <a:spcPct val="120000"/>
+              </a:lnSpc>
+            </a:pPr>
+            <a:r>
+              <a:rPr lang="en-US" sz="2000" dirty="0" smtClean="0">
+                <a:solidFill>
+                  <a:srgbClr val="EC6B56"/>
+                </a:solidFill>
+                <a:latin typeface="Roboto Mono for Powerline" charset="0"/>
+                <a:ea typeface="Roboto Mono for Powerline" charset="0"/>
+                <a:cs typeface="Roboto Mono for Powerline" charset="0"/>
+              </a:rPr>
+              <a:t>Graph</a:t>
+            </a:r>
+            <a:r>
+              <a:rPr lang="en-US" sz="2000" dirty="0" smtClean="0">
+                <a:solidFill>
+                  <a:srgbClr val="FFC153"/>
+                </a:solidFill>
+                <a:latin typeface="Roboto Mono for Powerline" charset="0"/>
+                <a:ea typeface="Roboto Mono for Powerline" charset="0"/>
+                <a:cs typeface="Roboto Mono for Powerline" charset="0"/>
+              </a:rPr>
+              <a:t> =&gt; </a:t>
+            </a:r>
+            <a:r>
+              <a:rPr lang="en-US" sz="2000" dirty="0">
+                <a:solidFill>
+                  <a:srgbClr val="FFC153"/>
+                </a:solidFill>
+                <a:latin typeface="Roboto Mono for Powerline" charset="0"/>
+                <a:ea typeface="Roboto Mono for Powerline" charset="0"/>
+                <a:cs typeface="Roboto Mono for Powerline" charset="0"/>
+              </a:rPr>
+              <a:t>thinking of a problem in terms of nodes and </a:t>
+            </a:r>
+            <a:r>
+              <a:rPr lang="en-US" sz="2000" dirty="0" smtClean="0">
+                <a:solidFill>
+                  <a:srgbClr val="FFC153"/>
+                </a:solidFill>
+                <a:latin typeface="Roboto Mono for Powerline" charset="0"/>
+                <a:ea typeface="Roboto Mono for Powerline" charset="0"/>
+                <a:cs typeface="Roboto Mono for Powerline" charset="0"/>
+              </a:rPr>
+              <a:t>edges</a:t>
+            </a:r>
+            <a:br>
+              <a:rPr lang="en-US" sz="2000" dirty="0" smtClean="0">
+                <a:solidFill>
+                  <a:srgbClr val="FFC153"/>
+                </a:solidFill>
+                <a:latin typeface="Roboto Mono for Powerline" charset="0"/>
+                <a:ea typeface="Roboto Mono for Powerline" charset="0"/>
+                <a:cs typeface="Roboto Mono for Powerline" charset="0"/>
+              </a:rPr>
+            </a:br>
+            <a:endParaRPr lang="en-US" sz="2000" dirty="0" smtClean="0">
+              <a:solidFill>
+                <a:srgbClr val="FFC153"/>
+              </a:solidFill>
+              <a:latin typeface="Roboto Mono for Powerline" charset="0"/>
+              <a:ea typeface="Roboto Mono for Powerline" charset="0"/>
+              <a:cs typeface="Roboto Mono for Powerline" charset="0"/>
+            </a:endParaRPr>
+          </a:p>
+          <a:p>
+            <a:pPr algn="l">
+              <a:lnSpc>
+                <a:spcPct val="120000"/>
+              </a:lnSpc>
+            </a:pPr>
+            <a:r>
+              <a:rPr lang="en-US" sz="2000" dirty="0" smtClean="0">
+                <a:solidFill>
+                  <a:srgbClr val="EC6B56"/>
+                </a:solidFill>
+                <a:latin typeface="Roboto Mono for Powerline" charset="0"/>
+                <a:ea typeface="Roboto Mono for Powerline" charset="0"/>
+                <a:cs typeface="Roboto Mono for Powerline" charset="0"/>
+              </a:rPr>
+              <a:t>QL</a:t>
+            </a:r>
+            <a:r>
+              <a:rPr lang="en-US" sz="2000" dirty="0" smtClean="0">
+                <a:solidFill>
+                  <a:srgbClr val="FFC153"/>
+                </a:solidFill>
+                <a:latin typeface="Roboto Mono for Powerline" charset="0"/>
+                <a:ea typeface="Roboto Mono for Powerline" charset="0"/>
+                <a:cs typeface="Roboto Mono for Powerline" charset="0"/>
+              </a:rPr>
+              <a:t> =&gt; </a:t>
+            </a:r>
+            <a:r>
+              <a:rPr lang="en-US" sz="2000" dirty="0">
+                <a:solidFill>
+                  <a:srgbClr val="FFC153"/>
+                </a:solidFill>
+                <a:latin typeface="Roboto Mono for Powerline" charset="0"/>
+                <a:ea typeface="Roboto Mono for Powerline" charset="0"/>
+                <a:cs typeface="Roboto Mono for Powerline" charset="0"/>
+              </a:rPr>
+              <a:t>query language (a way of asking for data</a:t>
+            </a:r>
+            <a:r>
+              <a:rPr lang="en-US" sz="2000" dirty="0" smtClean="0">
+                <a:solidFill>
+                  <a:srgbClr val="FFC153"/>
+                </a:solidFill>
+                <a:latin typeface="Roboto Mono for Powerline" charset="0"/>
+                <a:ea typeface="Roboto Mono for Powerline" charset="0"/>
+                <a:cs typeface="Roboto Mono for Powerline" charset="0"/>
+              </a:rPr>
+              <a:t>)</a:t>
+            </a:r>
+            <a:br>
+              <a:rPr lang="en-US" sz="2000" dirty="0" smtClean="0">
+                <a:solidFill>
+                  <a:srgbClr val="FFC153"/>
+                </a:solidFill>
+                <a:latin typeface="Roboto Mono for Powerline" charset="0"/>
+                <a:ea typeface="Roboto Mono for Powerline" charset="0"/>
+                <a:cs typeface="Roboto Mono for Powerline" charset="0"/>
+              </a:rPr>
+            </a:br>
+            <a:endParaRPr lang="en-US" sz="2000" dirty="0" smtClean="0">
+              <a:solidFill>
+                <a:srgbClr val="FFC153"/>
+              </a:solidFill>
+              <a:latin typeface="Roboto Mono for Powerline" charset="0"/>
+              <a:ea typeface="Roboto Mono for Powerline" charset="0"/>
+              <a:cs typeface="Roboto Mono for Powerline" charset="0"/>
+            </a:endParaRPr>
+          </a:p>
+          <a:p>
+            <a:pPr algn="l">
+              <a:lnSpc>
+                <a:spcPct val="120000"/>
+              </a:lnSpc>
+            </a:pPr>
+            <a:r>
+              <a:rPr lang="en-US" sz="2000" dirty="0" err="1" smtClean="0">
+                <a:solidFill>
+                  <a:srgbClr val="EC6B56"/>
+                </a:solidFill>
+                <a:latin typeface="Roboto Mono for Powerline" charset="0"/>
+                <a:ea typeface="Roboto Mono for Powerline" charset="0"/>
+                <a:cs typeface="Roboto Mono for Powerline" charset="0"/>
+              </a:rPr>
+              <a:t>GraphQL</a:t>
+            </a:r>
+            <a:r>
+              <a:rPr lang="en-US" sz="2000" dirty="0" smtClean="0">
+                <a:solidFill>
+                  <a:srgbClr val="FFC153"/>
+                </a:solidFill>
+                <a:latin typeface="Roboto Mono for Powerline" charset="0"/>
+                <a:ea typeface="Roboto Mono for Powerline" charset="0"/>
+                <a:cs typeface="Roboto Mono for Powerline" charset="0"/>
+              </a:rPr>
+              <a:t> =&gt; </a:t>
+            </a:r>
+            <a:r>
+              <a:rPr lang="en-US" sz="2000" dirty="0">
+                <a:solidFill>
+                  <a:srgbClr val="FFC153"/>
+                </a:solidFill>
+                <a:latin typeface="Roboto Mono for Powerline" charset="0"/>
+                <a:ea typeface="Roboto Mono for Powerline" charset="0"/>
+                <a:cs typeface="Roboto Mono for Powerline" charset="0"/>
+              </a:rPr>
+              <a:t>a way of asking for data in terms of nodes and </a:t>
+            </a:r>
+            <a:r>
+              <a:rPr lang="en-US" sz="2000" dirty="0" smtClean="0">
+                <a:solidFill>
+                  <a:srgbClr val="FFC153"/>
+                </a:solidFill>
+                <a:latin typeface="Roboto Mono for Powerline" charset="0"/>
+                <a:ea typeface="Roboto Mono for Powerline" charset="0"/>
+                <a:cs typeface="Roboto Mono for Powerline" charset="0"/>
+              </a:rPr>
+              <a:t>edges</a:t>
+            </a:r>
+          </a:p>
+          <a:p>
+            <a:pPr algn="l">
+              <a:lnSpc>
+                <a:spcPct val="120000"/>
+              </a:lnSpc>
+            </a:pPr>
+            <a:endParaRPr lang="en-US" sz="2000" dirty="0">
+              <a:solidFill>
+                <a:srgbClr val="FFC153"/>
+              </a:solidFill>
+              <a:latin typeface="Roboto Mono for Powerline" charset="0"/>
+              <a:ea typeface="Roboto Mono for Powerline" charset="0"/>
+              <a:cs typeface="Roboto Mono for Powerline" charset="0"/>
+            </a:endParaRPr>
+          </a:p>
+          <a:p>
+            <a:pPr algn="l">
+              <a:lnSpc>
+                <a:spcPct val="120000"/>
+              </a:lnSpc>
+            </a:pPr>
+            <a:r>
+              <a:rPr lang="en-US" sz="2000" dirty="0" smtClean="0">
+                <a:solidFill>
+                  <a:srgbClr val="FFC153"/>
+                </a:solidFill>
+                <a:latin typeface="Roboto Mono for Powerline" charset="0"/>
+                <a:ea typeface="Roboto Mono for Powerline" charset="0"/>
+                <a:cs typeface="Roboto Mono for Powerline" charset="0"/>
+              </a:rPr>
+              <a:t>Imagine querying an API in terms of nodes and edges instead of endpoints</a:t>
+            </a:r>
+            <a:r>
+              <a:rPr lang="en-US" sz="2000" dirty="0">
+                <a:solidFill>
+                  <a:srgbClr val="FFC153"/>
+                </a:solidFill>
+                <a:latin typeface="Roboto Mono for Powerline" charset="0"/>
+                <a:ea typeface="Roboto Mono for Powerline" charset="0"/>
+                <a:cs typeface="Roboto Mono for Powerline" charset="0"/>
+              </a:rPr>
+              <a:t>.</a:t>
+            </a:r>
+            <a:endParaRPr lang="en-US" sz="2000" dirty="0" smtClean="0">
+              <a:solidFill>
+                <a:srgbClr val="FFC153"/>
+              </a:solidFill>
+              <a:latin typeface="Roboto Mono for Powerline" charset="0"/>
+              <a:ea typeface="Roboto Mono for Powerline" charset="0"/>
+              <a:cs typeface="Roboto Mono for Powerline" charset="0"/>
+            </a:endParaRPr>
+          </a:p>
+        </p:txBody>
+      </p:sp>
+      <p:pic>
+        <p:nvPicPr>
+          <p:cNvPr id="2" name="Picture 1"/>
+          <p:cNvPicPr>
+            <a:picLocks noChangeAspect="1"/>
+          </p:cNvPicPr>
+          <p:nvPr/>
+        </p:nvPicPr>
+        <p:blipFill>
+          <a:blip r:embed="rId2"/>
+          <a:stretch>
+            <a:fillRect/>
+          </a:stretch>
+        </p:blipFill>
+        <p:spPr>
+          <a:xfrm>
+            <a:off x="7516480" y="1047882"/>
+            <a:ext cx="4240628" cy="1989343"/>
+          </a:xfrm>
+          <a:prstGeom prst="rect">
+            <a:avLst/>
+          </a:prstGeom>
+        </p:spPr>
+      </p:pic>
+      <p:pic>
+        <p:nvPicPr>
+          <p:cNvPr id="4" name="Picture 3"/>
+          <p:cNvPicPr>
+            <a:picLocks noChangeAspect="1"/>
+          </p:cNvPicPr>
+          <p:nvPr/>
+        </p:nvPicPr>
+        <p:blipFill>
+          <a:blip r:embed="rId3"/>
+          <a:stretch>
+            <a:fillRect/>
+          </a:stretch>
+        </p:blipFill>
+        <p:spPr>
+          <a:xfrm>
+            <a:off x="8354611" y="3719643"/>
+            <a:ext cx="2564365" cy="1757961"/>
+          </a:xfrm>
+          <a:prstGeom prst="rect">
+            <a:avLst/>
+          </a:prstGeom>
+        </p:spPr>
+      </p:pic>
     </p:spTree>
     <p:extLst>
       <p:ext uri="{BB962C8B-B14F-4D97-AF65-F5344CB8AC3E}">
@@ -5694,7 +7499,7 @@
 </p:sld>
 </file>
 
-<file path=ppt/slides/slide4.xml><?xml version="1.0" encoding="utf-8"?>
+<file path=ppt/slides/slide5.xml><?xml version="1.0" encoding="utf-8"?>
 <p:sld xmlns:a="http://schemas.openxmlformats.org/drawingml/2006/main" xmlns:r="http://schemas.openxmlformats.org/officeDocument/2006/relationships" xmlns:p="http://schemas.openxmlformats.org/presentationml/2006/main">
   <p:cSld>
     <p:bg>
@@ -5763,7 +7568,178 @@
 </p:sld>
 </file>
 
-<file path=ppt/slides/slide5.xml><?xml version="1.0" encoding="utf-8"?>
+<file path=ppt/slides/slide6.xml><?xml version="1.0" encoding="utf-8"?>
+<p:sld xmlns:a="http://schemas.openxmlformats.org/drawingml/2006/main" xmlns:r="http://schemas.openxmlformats.org/officeDocument/2006/relationships" xmlns:p="http://schemas.openxmlformats.org/presentationml/2006/main">
+  <p:cSld>
+    <p:bg>
+      <p:bgPr>
+        <a:solidFill>
+          <a:srgbClr val="1C2021"/>
+        </a:solidFill>
+        <a:effectLst/>
+      </p:bgPr>
+    </p:bg>
+    <p:spTree>
+      <p:nvGrpSpPr>
+        <p:cNvPr id="1" name=""/>
+        <p:cNvGrpSpPr/>
+        <p:nvPr/>
+      </p:nvGrpSpPr>
+      <p:grpSpPr>
+        <a:xfrm>
+          <a:off x="0" y="0"/>
+          <a:ext cx="0" cy="0"/>
+          <a:chOff x="0" y="0"/>
+          <a:chExt cx="0" cy="0"/>
+        </a:xfrm>
+      </p:grpSpPr>
+      <p:sp>
+        <p:nvSpPr>
+          <p:cNvPr id="3" name="Subtitle 2"/>
+          <p:cNvSpPr>
+            <a:spLocks noGrp="1"/>
+          </p:cNvSpPr>
+          <p:nvPr>
+            <p:ph type="subTitle" idx="1"/>
+          </p:nvPr>
+        </p:nvSpPr>
+        <p:spPr>
+          <a:xfrm>
+            <a:off x="285008" y="1710212"/>
+            <a:ext cx="11621984" cy="3437577"/>
+          </a:xfrm>
+        </p:spPr>
+        <p:txBody>
+          <a:bodyPr>
+            <a:noAutofit/>
+          </a:bodyPr>
+          <a:lstStyle/>
+          <a:p>
+            <a:pPr>
+              <a:lnSpc>
+                <a:spcPct val="120000"/>
+              </a:lnSpc>
+            </a:pPr>
+            <a:r>
+              <a:rPr lang="en-US" sz="2800" dirty="0" smtClean="0">
+                <a:solidFill>
+                  <a:srgbClr val="FFC153"/>
+                </a:solidFill>
+                <a:latin typeface="Roboto Mono for Powerline" charset="0"/>
+                <a:ea typeface="Roboto Mono for Powerline" charset="0"/>
+                <a:cs typeface="Roboto Mono for Powerline" charset="0"/>
+              </a:rPr>
+              <a:t>It can be your API, or a wrapper around your existing API, or an API gateway to manage communications to all your </a:t>
+            </a:r>
+            <a:r>
+              <a:rPr lang="en-US" sz="2800" dirty="0" err="1" smtClean="0">
+                <a:solidFill>
+                  <a:srgbClr val="FFC153"/>
+                </a:solidFill>
+                <a:latin typeface="Roboto Mono for Powerline" charset="0"/>
+                <a:ea typeface="Roboto Mono for Powerline" charset="0"/>
+                <a:cs typeface="Roboto Mono for Powerline" charset="0"/>
+              </a:rPr>
+              <a:t>microservices</a:t>
+            </a:r>
+            <a:r>
+              <a:rPr lang="en-US" sz="2800" dirty="0" smtClean="0">
+                <a:solidFill>
+                  <a:srgbClr val="FFC153"/>
+                </a:solidFill>
+                <a:latin typeface="Roboto Mono for Powerline" charset="0"/>
+                <a:ea typeface="Roboto Mono for Powerline" charset="0"/>
+                <a:cs typeface="Roboto Mono for Powerline" charset="0"/>
+              </a:rPr>
+              <a:t>. </a:t>
+            </a:r>
+          </a:p>
+          <a:p>
+            <a:pPr>
+              <a:lnSpc>
+                <a:spcPct val="120000"/>
+              </a:lnSpc>
+            </a:pPr>
+            <a:endParaRPr lang="en-US" sz="2800" dirty="0">
+              <a:solidFill>
+                <a:srgbClr val="FFC153"/>
+              </a:solidFill>
+              <a:latin typeface="Roboto Mono for Powerline" charset="0"/>
+              <a:ea typeface="Roboto Mono for Powerline" charset="0"/>
+              <a:cs typeface="Roboto Mono for Powerline" charset="0"/>
+            </a:endParaRPr>
+          </a:p>
+          <a:p>
+            <a:pPr>
+              <a:lnSpc>
+                <a:spcPct val="120000"/>
+              </a:lnSpc>
+            </a:pPr>
+            <a:r>
+              <a:rPr lang="en-US" sz="2800" dirty="0" smtClean="0">
+                <a:solidFill>
+                  <a:srgbClr val="FFC153"/>
+                </a:solidFill>
+                <a:latin typeface="Roboto Mono for Powerline" charset="0"/>
+                <a:ea typeface="Roboto Mono for Powerline" charset="0"/>
+                <a:cs typeface="Roboto Mono for Powerline" charset="0"/>
+              </a:rPr>
+              <a:t>It is a process that sits between your application logic and your database resources, but at its core its just a </a:t>
+            </a:r>
+            <a:r>
+              <a:rPr lang="en-US" sz="2800" dirty="0" smtClean="0">
+                <a:solidFill>
+                  <a:srgbClr val="EC6B56"/>
+                </a:solidFill>
+                <a:latin typeface="Roboto Mono for Powerline" charset="0"/>
+                <a:ea typeface="Roboto Mono for Powerline" charset="0"/>
+                <a:cs typeface="Roboto Mono for Powerline" charset="0"/>
+              </a:rPr>
+              <a:t>paradigm</a:t>
+            </a:r>
+            <a:r>
+              <a:rPr lang="en-US" sz="2800" dirty="0" smtClean="0">
+                <a:solidFill>
+                  <a:srgbClr val="FFC153"/>
+                </a:solidFill>
+                <a:latin typeface="Roboto Mono for Powerline" charset="0"/>
+                <a:ea typeface="Roboto Mono for Powerline" charset="0"/>
+                <a:cs typeface="Roboto Mono for Powerline" charset="0"/>
+              </a:rPr>
+              <a:t> for designing your API(s).</a:t>
+            </a:r>
+            <a:endParaRPr lang="en-US" sz="2800" dirty="0" smtClean="0">
+              <a:solidFill>
+                <a:srgbClr val="FFC153"/>
+              </a:solidFill>
+              <a:latin typeface="Roboto Mono for Powerline" charset="0"/>
+              <a:ea typeface="Roboto Mono for Powerline" charset="0"/>
+              <a:cs typeface="Roboto Mono for Powerline" charset="0"/>
+            </a:endParaRPr>
+          </a:p>
+        </p:txBody>
+      </p:sp>
+    </p:spTree>
+    <p:extLst>
+      <p:ext uri="{BB962C8B-B14F-4D97-AF65-F5344CB8AC3E}">
+        <p14:creationId xmlns:p14="http://schemas.microsoft.com/office/powerpoint/2010/main" val="2125092815"/>
+      </p:ext>
+    </p:extLst>
+  </p:cSld>
+  <p:clrMapOvr>
+    <a:masterClrMapping/>
+  </p:clrMapOvr>
+  <p:timing>
+    <p:tnLst>
+      <p:par>
+        <p:cTn id="1" dur="indefinite" restart="never" nodeType="tmRoot"/>
+      </p:par>
+    </p:tnLst>
+  </p:timing>
+</p:sld>
+</file>
+
+<file path=ppt/slides/slide7.xml><?xml version="1.0" encoding="utf-8"?>
 <p:sld xmlns:a="http://schemas.openxmlformats.org/drawingml/2006/main" xmlns:r="http://schemas.openxmlformats.org/officeDocument/2006/relationships" xmlns:p="http://schemas.openxmlformats.org/presentationml/2006/main">
   <p:cSld>
     <p:bg>
@@ -5838,318 +7814,6 @@
     <p:extLst>
       <p:ext uri="{BB962C8B-B14F-4D97-AF65-F5344CB8AC3E}">
         <p14:creationId xmlns:p14="http://schemas.microsoft.com/office/powerpoint/2010/main" val="1019295493"/>
-      </p:ext>
-    </p:extLst>
-  </p:cSld>
-  <p:clrMapOvr>
-    <a:masterClrMapping/>
-  </p:clrMapOvr>
-  <p:timing>
-    <p:tnLst>
-      <p:par>
-        <p:cTn id="1" dur="indefinite" restart="never" nodeType="tmRoot"/>
-      </p:par>
-    </p:tnLst>
-  </p:timing>
-</p:sld>
-</file>
-
-<file path=ppt/slides/slide6.xml><?xml version="1.0" encoding="utf-8"?>
-<p:sld xmlns:a="http://schemas.openxmlformats.org/drawingml/2006/main" xmlns:r="http://schemas.openxmlformats.org/officeDocument/2006/relationships" xmlns:p="http://schemas.openxmlformats.org/presentationml/2006/main">
-  <p:cSld>
-    <p:bg>
-      <p:bgPr>
-        <a:solidFill>
-          <a:srgbClr val="1C2021"/>
-        </a:solidFill>
-        <a:effectLst/>
-      </p:bgPr>
-    </p:bg>
-    <p:spTree>
-      <p:nvGrpSpPr>
-        <p:cNvPr id="1" name=""/>
-        <p:cNvGrpSpPr/>
-        <p:nvPr/>
-      </p:nvGrpSpPr>
-      <p:grpSpPr>
-        <a:xfrm>
-          <a:off x="0" y="0"/>
-          <a:ext cx="0" cy="0"/>
-          <a:chOff x="0" y="0"/>
-          <a:chExt cx="0" cy="0"/>
-        </a:xfrm>
-      </p:grpSpPr>
-      <p:sp>
-        <p:nvSpPr>
-          <p:cNvPr id="3" name="Subtitle 2"/>
-          <p:cNvSpPr>
-            <a:spLocks noGrp="1"/>
-          </p:cNvSpPr>
-          <p:nvPr>
-            <p:ph type="subTitle" idx="1"/>
-          </p:nvPr>
-        </p:nvSpPr>
-        <p:spPr>
-          <a:xfrm>
-            <a:off x="201880" y="748309"/>
-            <a:ext cx="4846985" cy="5302003"/>
-          </a:xfrm>
-        </p:spPr>
-        <p:txBody>
-          <a:bodyPr>
-            <a:normAutofit fontScale="40000" lnSpcReduction="20000"/>
-          </a:bodyPr>
-          <a:lstStyle/>
-          <a:p>
-            <a:pPr algn="l">
-              <a:lnSpc>
-                <a:spcPct val="120000"/>
-              </a:lnSpc>
-            </a:pPr>
-            <a:r>
-              <a:rPr lang="en-US" sz="5400" dirty="0" smtClean="0">
-                <a:solidFill>
-                  <a:srgbClr val="FFC153"/>
-                </a:solidFill>
-                <a:latin typeface="Roboto Mono for Powerline" charset="0"/>
-                <a:ea typeface="Roboto Mono for Powerline" charset="0"/>
-                <a:cs typeface="Roboto Mono for Powerline" charset="0"/>
-              </a:rPr>
-              <a:t>It replaces </a:t>
-            </a:r>
-            <a:r>
-              <a:rPr lang="en-US" sz="5400" dirty="0" smtClean="0">
-                <a:solidFill>
-                  <a:srgbClr val="EC6B56"/>
-                </a:solidFill>
-                <a:latin typeface="Roboto Mono for Powerline" charset="0"/>
-                <a:ea typeface="Roboto Mono for Powerline" charset="0"/>
-                <a:cs typeface="Roboto Mono for Powerline" charset="0"/>
-              </a:rPr>
-              <a:t>REST APIs! </a:t>
-            </a:r>
-            <a:r>
-              <a:rPr lang="en-US" sz="5400" dirty="0" smtClean="0">
-                <a:solidFill>
-                  <a:srgbClr val="FFC153"/>
-                </a:solidFill>
-                <a:latin typeface="Roboto Mono for Powerline" charset="0"/>
-                <a:ea typeface="Roboto Mono for Powerline" charset="0"/>
-                <a:cs typeface="Roboto Mono for Powerline" charset="0"/>
-              </a:rPr>
-              <a:t>(or can be used to manage multiple separate REST APIs)</a:t>
-            </a:r>
-          </a:p>
-          <a:p>
-            <a:pPr marL="685800" indent="-685800" algn="l">
-              <a:lnSpc>
-                <a:spcPct val="120000"/>
-              </a:lnSpc>
-              <a:buFontTx/>
-              <a:buChar char="-"/>
-            </a:pPr>
-            <a:r>
-              <a:rPr lang="en-US" sz="5400" dirty="0" smtClean="0">
-                <a:solidFill>
-                  <a:srgbClr val="FFC153"/>
-                </a:solidFill>
-                <a:latin typeface="Roboto Mono for Powerline" charset="0"/>
-                <a:ea typeface="Roboto Mono for Powerline" charset="0"/>
-                <a:cs typeface="Roboto Mono for Powerline" charset="0"/>
-              </a:rPr>
-              <a:t>it </a:t>
-            </a:r>
-            <a:r>
-              <a:rPr lang="en-US" sz="5400" dirty="0">
-                <a:solidFill>
-                  <a:srgbClr val="FFC153"/>
-                </a:solidFill>
-                <a:latin typeface="Roboto Mono for Powerline" charset="0"/>
-                <a:ea typeface="Roboto Mono for Powerline" charset="0"/>
-                <a:cs typeface="Roboto Mono for Powerline" charset="0"/>
-              </a:rPr>
-              <a:t>can be used in conjunction with existing </a:t>
-            </a:r>
-            <a:r>
-              <a:rPr lang="en-US" sz="5400" dirty="0" smtClean="0">
-                <a:solidFill>
-                  <a:srgbClr val="FFC153"/>
-                </a:solidFill>
-                <a:latin typeface="Roboto Mono for Powerline" charset="0"/>
-                <a:ea typeface="Roboto Mono for Powerline" charset="0"/>
-                <a:cs typeface="Roboto Mono for Powerline" charset="0"/>
-              </a:rPr>
-              <a:t>technology</a:t>
-            </a:r>
-          </a:p>
-          <a:p>
-            <a:pPr marL="685800" indent="-685800" algn="l">
-              <a:lnSpc>
-                <a:spcPct val="120000"/>
-              </a:lnSpc>
-              <a:buFontTx/>
-              <a:buChar char="-"/>
-            </a:pPr>
-            <a:r>
-              <a:rPr lang="en-US" sz="5400" dirty="0" smtClean="0">
-                <a:solidFill>
-                  <a:srgbClr val="FFC153"/>
-                </a:solidFill>
-                <a:latin typeface="Roboto Mono for Powerline" charset="0"/>
-                <a:ea typeface="Roboto Mono for Powerline" charset="0"/>
-                <a:cs typeface="Roboto Mono for Powerline" charset="0"/>
-              </a:rPr>
-              <a:t>it </a:t>
-            </a:r>
-            <a:r>
-              <a:rPr lang="en-US" sz="5400" dirty="0">
-                <a:solidFill>
-                  <a:srgbClr val="FFC153"/>
-                </a:solidFill>
-                <a:latin typeface="Roboto Mono for Powerline" charset="0"/>
-                <a:ea typeface="Roboto Mono for Powerline" charset="0"/>
-                <a:cs typeface="Roboto Mono for Powerline" charset="0"/>
-              </a:rPr>
-              <a:t>claims to be highly performant, more maintainable, more scalable and more efficient in place of REST</a:t>
-            </a:r>
-            <a:endParaRPr lang="en-US" sz="5400" dirty="0" smtClean="0">
-              <a:solidFill>
-                <a:srgbClr val="FFC153"/>
-              </a:solidFill>
-              <a:latin typeface="Roboto Mono for Powerline" charset="0"/>
-              <a:ea typeface="Roboto Mono for Powerline" charset="0"/>
-              <a:cs typeface="Roboto Mono for Powerline" charset="0"/>
-            </a:endParaRPr>
-          </a:p>
-          <a:p>
-            <a:pPr algn="l">
-              <a:lnSpc>
-                <a:spcPct val="120000"/>
-              </a:lnSpc>
-            </a:pPr>
-            <a:endParaRPr lang="en-US" sz="5400" dirty="0" smtClean="0">
-              <a:solidFill>
-                <a:srgbClr val="FFC153"/>
-              </a:solidFill>
-              <a:latin typeface="Roboto Mono for Powerline" charset="0"/>
-              <a:ea typeface="Roboto Mono for Powerline" charset="0"/>
-              <a:cs typeface="Roboto Mono for Powerline" charset="0"/>
-            </a:endParaRPr>
-          </a:p>
-          <a:p>
-            <a:pPr algn="l">
-              <a:lnSpc>
-                <a:spcPct val="120000"/>
-              </a:lnSpc>
-            </a:pPr>
-            <a:endParaRPr lang="en-US" sz="5400" dirty="0" smtClean="0">
-              <a:solidFill>
-                <a:srgbClr val="FFC153"/>
-              </a:solidFill>
-              <a:latin typeface="Roboto Mono for Powerline" charset="0"/>
-              <a:ea typeface="Roboto Mono for Powerline" charset="0"/>
-              <a:cs typeface="Roboto Mono for Powerline" charset="0"/>
-            </a:endParaRPr>
-          </a:p>
-        </p:txBody>
-      </p:sp>
-      <p:pic>
-        <p:nvPicPr>
-          <p:cNvPr id="2" name="Picture 1"/>
-          <p:cNvPicPr>
-            <a:picLocks noChangeAspect="1"/>
-          </p:cNvPicPr>
-          <p:nvPr/>
-        </p:nvPicPr>
-        <p:blipFill>
-          <a:blip r:embed="rId2"/>
-          <a:stretch>
-            <a:fillRect/>
-          </a:stretch>
-        </p:blipFill>
-        <p:spPr>
-          <a:xfrm>
-            <a:off x="5250746" y="688768"/>
-            <a:ext cx="6574342" cy="5421086"/>
-          </a:xfrm>
-          <a:prstGeom prst="rect">
-            <a:avLst/>
-          </a:prstGeom>
-        </p:spPr>
-      </p:pic>
-    </p:spTree>
-    <p:extLst>
-      <p:ext uri="{BB962C8B-B14F-4D97-AF65-F5344CB8AC3E}">
-        <p14:creationId xmlns:p14="http://schemas.microsoft.com/office/powerpoint/2010/main" val="66747622"/>
-      </p:ext>
-    </p:extLst>
-  </p:cSld>
-  <p:clrMapOvr>
-    <a:masterClrMapping/>
-  </p:clrMapOvr>
-  <p:timing>
-    <p:tnLst>
-      <p:par>
-        <p:cTn id="1" dur="indefinite" restart="never" nodeType="tmRoot"/>
-      </p:par>
-    </p:tnLst>
-  </p:timing>
-</p:sld>
-</file>
-
-<file path=ppt/slides/slide7.xml><?xml version="1.0" encoding="utf-8"?>
-<p:sld xmlns:a="http://schemas.openxmlformats.org/drawingml/2006/main" xmlns:r="http://schemas.openxmlformats.org/officeDocument/2006/relationships" xmlns:p="http://schemas.openxmlformats.org/presentationml/2006/main">
-  <p:cSld>
-    <p:bg>
-      <p:bgPr>
-        <a:solidFill>
-          <a:srgbClr val="1C2021"/>
-        </a:solidFill>
-        <a:effectLst/>
-      </p:bgPr>
-    </p:bg>
-    <p:spTree>
-      <p:nvGrpSpPr>
-        <p:cNvPr id="1" name=""/>
-        <p:cNvGrpSpPr/>
-        <p:nvPr/>
-      </p:nvGrpSpPr>
-      <p:grpSpPr>
-        <a:xfrm>
-          <a:off x="0" y="0"/>
-          <a:ext cx="0" cy="0"/>
-          <a:chOff x="0" y="0"/>
-          <a:chExt cx="0" cy="0"/>
-        </a:xfrm>
-      </p:grpSpPr>
-      <p:pic>
-        <p:nvPicPr>
-          <p:cNvPr id="4" name="Picture 3"/>
-          <p:cNvPicPr>
-            <a:picLocks noChangeAspect="1"/>
-          </p:cNvPicPr>
-          <p:nvPr/>
-        </p:nvPicPr>
-        <p:blipFill>
-          <a:blip r:embed="rId2"/>
-          <a:stretch>
-            <a:fillRect/>
-          </a:stretch>
-        </p:blipFill>
-        <p:spPr>
-          <a:xfrm>
-            <a:off x="0" y="1284307"/>
-            <a:ext cx="12192000" cy="4289386"/>
-          </a:xfrm>
-          <a:prstGeom prst="rect">
-            <a:avLst/>
-          </a:prstGeom>
-        </p:spPr>
-      </p:pic>
-    </p:spTree>
-    <p:extLst>
-      <p:ext uri="{BB962C8B-B14F-4D97-AF65-F5344CB8AC3E}">
-        <p14:creationId xmlns:p14="http://schemas.microsoft.com/office/powerpoint/2010/main" val="702017381"/>
       </p:ext>
     </p:extLst>
   </p:cSld>
@@ -6203,28 +7867,40 @@
         </p:nvSpPr>
         <p:spPr>
           <a:xfrm>
-            <a:off x="285008" y="558470"/>
-            <a:ext cx="11621984" cy="961572"/>
+            <a:off x="1262743" y="1716150"/>
+            <a:ext cx="9666514" cy="3425701"/>
           </a:xfrm>
         </p:spPr>
         <p:txBody>
           <a:bodyPr>
-            <a:normAutofit lnSpcReduction="10000"/>
+            <a:noAutofit/>
           </a:bodyPr>
           <a:lstStyle/>
           <a:p>
-            <a:r>
-              <a:rPr lang="en-US" sz="6600" smtClean="0">
-                <a:solidFill>
-                  <a:srgbClr val="FFC153"/>
-                </a:solidFill>
-                <a:latin typeface="Roboto Mono for Powerline" charset="0"/>
-                <a:ea typeface="Roboto Mono for Powerline" charset="0"/>
-                <a:cs typeface="Roboto Mono for Powerline" charset="0"/>
-              </a:rPr>
-              <a:t>Goodbye Monolith</a:t>
-            </a:r>
-            <a:endParaRPr lang="en-US" sz="6600" dirty="0" smtClean="0">
+            <a:pPr algn="l">
+              <a:lnSpc>
+                <a:spcPct val="100000"/>
+              </a:lnSpc>
+            </a:pPr>
+            <a:r>
+              <a:rPr lang="en-US" sz="2800" b="1" dirty="0" smtClean="0">
+                <a:solidFill>
+                  <a:srgbClr val="EC6B56"/>
+                </a:solidFill>
+                <a:latin typeface="Roboto Mono for Powerline" charset="0"/>
+                <a:ea typeface="Roboto Mono for Powerline" charset="0"/>
+                <a:cs typeface="Roboto Mono for Powerline" charset="0"/>
+              </a:rPr>
+              <a:t>Maintaining and evolving REST APIs in the long run is:</a:t>
+            </a:r>
+          </a:p>
+          <a:p>
+            <a:pPr algn="l">
+              <a:lnSpc>
+                <a:spcPct val="100000"/>
+              </a:lnSpc>
+            </a:pPr>
+            <a:endParaRPr lang="en-US" dirty="0" smtClean="0">
               <a:solidFill>
                 <a:srgbClr val="FFC153"/>
               </a:solidFill>
@@ -6233,395 +7909,78 @@
               <a:cs typeface="Roboto Mono for Powerline" charset="0"/>
             </a:endParaRPr>
           </a:p>
-        </p:txBody>
-      </p:sp>
-      <p:sp>
-        <p:nvSpPr>
-          <p:cNvPr id="4" name="Subtitle 2"/>
-          <p:cNvSpPr txBox="1">
-            <a:spLocks/>
-          </p:cNvSpPr>
-          <p:nvPr/>
-        </p:nvSpPr>
-        <p:spPr>
-          <a:xfrm>
-            <a:off x="285008" y="1839026"/>
-            <a:ext cx="6816436" cy="4526148"/>
-          </a:xfrm>
-          <a:prstGeom prst="rect">
-            <a:avLst/>
-          </a:prstGeom>
-        </p:spPr>
-        <p:txBody>
-          <a:bodyPr vert="horz" lIns="91440" tIns="45720" rIns="91440" bIns="45720" rtlCol="0">
-            <a:normAutofit fontScale="62500" lnSpcReduction="20000"/>
-          </a:bodyPr>
-          <a:lstStyle>
-            <a:lvl1pPr marL="0" indent="0" algn="ctr" defTabSz="914400" rtl="0" eaLnBrk="1" latinLnBrk="0" hangingPunct="1">
-              <a:lnSpc>
-                <a:spcPct val="90000"/>
-              </a:lnSpc>
-              <a:spcBef>
-                <a:spcPts val="1000"/>
-              </a:spcBef>
-              <a:buFont typeface="Arial"/>
-              <a:buNone/>
-              <a:defRPr sz="2400" kern="1200">
-                <a:solidFill>
-                  <a:schemeClr val="tx1"/>
-                </a:solidFill>
-                <a:latin typeface="+mn-lt"/>
-                <a:ea typeface="+mn-ea"/>
-                <a:cs typeface="+mn-cs"/>
-              </a:defRPr>
-            </a:lvl1pPr>
-            <a:lvl2pPr marL="457200" indent="0" algn="ctr" defTabSz="914400" rtl="0" eaLnBrk="1" latinLnBrk="0" hangingPunct="1">
-              <a:lnSpc>
-                <a:spcPct val="90000"/>
-              </a:lnSpc>
-              <a:spcBef>
-                <a:spcPts val="500"/>
-              </a:spcBef>
-              <a:buFont typeface="Arial"/>
-              <a:buNone/>
-              <a:defRPr sz="2000" kern="1200">
-                <a:solidFill>
-                  <a:schemeClr val="tx1"/>
-                </a:solidFill>
-                <a:latin typeface="+mn-lt"/>
-                <a:ea typeface="+mn-ea"/>
-                <a:cs typeface="+mn-cs"/>
-              </a:defRPr>
-            </a:lvl2pPr>
-            <a:lvl3pPr marL="914400" indent="0" algn="ctr" defTabSz="914400" rtl="0" eaLnBrk="1" latinLnBrk="0" hangingPunct="1">
-              <a:lnSpc>
-                <a:spcPct val="90000"/>
-              </a:lnSpc>
-              <a:spcBef>
-                <a:spcPts val="500"/>
-              </a:spcBef>
-              <a:buFont typeface="Arial"/>
-              <a:buNone/>
-              <a:defRPr sz="1800" kern="1200">
-                <a:solidFill>
-                  <a:schemeClr val="tx1"/>
-                </a:solidFill>
-                <a:latin typeface="+mn-lt"/>
-                <a:ea typeface="+mn-ea"/>
-                <a:cs typeface="+mn-cs"/>
-              </a:defRPr>
-            </a:lvl3pPr>
-            <a:lvl4pPr marL="1371600" indent="0" algn="ctr" defTabSz="914400" rtl="0" eaLnBrk="1" latinLnBrk="0" hangingPunct="1">
-              <a:lnSpc>
-                <a:spcPct val="90000"/>
-              </a:lnSpc>
-              <a:spcBef>
-                <a:spcPts val="500"/>
-              </a:spcBef>
-              <a:buFont typeface="Arial"/>
-              <a:buNone/>
-              <a:defRPr sz="1600" kern="1200">
-                <a:solidFill>
-                  <a:schemeClr val="tx1"/>
-                </a:solidFill>
-                <a:latin typeface="+mn-lt"/>
-                <a:ea typeface="+mn-ea"/>
-                <a:cs typeface="+mn-cs"/>
-              </a:defRPr>
-            </a:lvl4pPr>
-            <a:lvl5pPr marL="1828800" indent="0" algn="ctr" defTabSz="914400" rtl="0" eaLnBrk="1" latinLnBrk="0" hangingPunct="1">
-              <a:lnSpc>
-                <a:spcPct val="90000"/>
-              </a:lnSpc>
-              <a:spcBef>
-                <a:spcPts val="500"/>
-              </a:spcBef>
-              <a:buFont typeface="Arial"/>
-              <a:buNone/>
-              <a:defRPr sz="1600" kern="1200">
-                <a:solidFill>
-                  <a:schemeClr val="tx1"/>
-                </a:solidFill>
-                <a:latin typeface="+mn-lt"/>
-                <a:ea typeface="+mn-ea"/>
-                <a:cs typeface="+mn-cs"/>
-              </a:defRPr>
-            </a:lvl5pPr>
-            <a:lvl6pPr marL="2286000" indent="0" algn="ctr" defTabSz="914400" rtl="0" eaLnBrk="1" latinLnBrk="0" hangingPunct="1">
-              <a:lnSpc>
-                <a:spcPct val="90000"/>
-              </a:lnSpc>
-              <a:spcBef>
-                <a:spcPts val="500"/>
-              </a:spcBef>
-              <a:buFont typeface="Arial"/>
-              <a:buNone/>
-              <a:defRPr sz="1600" kern="1200">
-                <a:solidFill>
-                  <a:schemeClr val="tx1"/>
-                </a:solidFill>
-                <a:latin typeface="+mn-lt"/>
-                <a:ea typeface="+mn-ea"/>
-                <a:cs typeface="+mn-cs"/>
-              </a:defRPr>
-            </a:lvl6pPr>
-            <a:lvl7pPr marL="2743200" indent="0" algn="ctr" defTabSz="914400" rtl="0" eaLnBrk="1" latinLnBrk="0" hangingPunct="1">
-              <a:lnSpc>
-                <a:spcPct val="90000"/>
-              </a:lnSpc>
-              <a:spcBef>
-                <a:spcPts val="500"/>
-              </a:spcBef>
-              <a:buFont typeface="Arial"/>
-              <a:buNone/>
-              <a:defRPr sz="1600" kern="1200">
-                <a:solidFill>
-                  <a:schemeClr val="tx1"/>
-                </a:solidFill>
-                <a:latin typeface="+mn-lt"/>
-                <a:ea typeface="+mn-ea"/>
-                <a:cs typeface="+mn-cs"/>
-              </a:defRPr>
-            </a:lvl7pPr>
-            <a:lvl8pPr marL="3200400" indent="0" algn="ctr" defTabSz="914400" rtl="0" eaLnBrk="1" latinLnBrk="0" hangingPunct="1">
-              <a:lnSpc>
-                <a:spcPct val="90000"/>
-              </a:lnSpc>
-              <a:spcBef>
-                <a:spcPts val="500"/>
-              </a:spcBef>
-              <a:buFont typeface="Arial"/>
-              <a:buNone/>
-              <a:defRPr sz="1600" kern="1200">
-                <a:solidFill>
-                  <a:schemeClr val="tx1"/>
-                </a:solidFill>
-                <a:latin typeface="+mn-lt"/>
-                <a:ea typeface="+mn-ea"/>
-                <a:cs typeface="+mn-cs"/>
-              </a:defRPr>
-            </a:lvl8pPr>
-            <a:lvl9pPr marL="3657600" indent="0" algn="ctr" defTabSz="914400" rtl="0" eaLnBrk="1" latinLnBrk="0" hangingPunct="1">
-              <a:lnSpc>
-                <a:spcPct val="90000"/>
-              </a:lnSpc>
-              <a:spcBef>
-                <a:spcPts val="500"/>
-              </a:spcBef>
-              <a:buFont typeface="Arial"/>
-              <a:buNone/>
-              <a:defRPr sz="1600" kern="1200">
-                <a:solidFill>
-                  <a:schemeClr val="tx1"/>
-                </a:solidFill>
-                <a:latin typeface="+mn-lt"/>
-                <a:ea typeface="+mn-ea"/>
-                <a:cs typeface="+mn-cs"/>
-              </a:defRPr>
-            </a:lvl9pPr>
-          </a:lstStyle>
-          <a:p>
-            <a:pPr marL="457200" indent="-457200" algn="l">
-              <a:lnSpc>
-                <a:spcPct val="120000"/>
-              </a:lnSpc>
-              <a:buFontTx/>
-              <a:buChar char="-"/>
+          <a:p>
+            <a:pPr algn="l">
+              <a:lnSpc>
+                <a:spcPct val="100000"/>
+              </a:lnSpc>
             </a:pPr>
             <a:r>
-              <a:rPr lang="en-US" sz="2800" dirty="0" smtClean="0">
-                <a:solidFill>
-                  <a:srgbClr val="FFC153"/>
-                </a:solidFill>
-                <a:latin typeface="Roboto Mono for Powerline" charset="0"/>
-                <a:ea typeface="Roboto Mono for Powerline" charset="0"/>
-                <a:cs typeface="Roboto Mono for Powerline" charset="0"/>
-              </a:rPr>
-              <a:t>the </a:t>
-            </a:r>
-            <a:r>
-              <a:rPr lang="en-US" sz="2800" dirty="0">
-                <a:solidFill>
-                  <a:srgbClr val="FFC153"/>
-                </a:solidFill>
-                <a:latin typeface="Roboto Mono for Powerline" charset="0"/>
-                <a:ea typeface="Roboto Mono for Powerline" charset="0"/>
-                <a:cs typeface="Roboto Mono for Powerline" charset="0"/>
-              </a:rPr>
-              <a:t>industry is moving towards </a:t>
-            </a:r>
-            <a:r>
-              <a:rPr lang="en-US" sz="2800" dirty="0" err="1" smtClean="0">
-                <a:solidFill>
-                  <a:srgbClr val="FFC153"/>
-                </a:solidFill>
-                <a:latin typeface="Roboto Mono for Powerline" charset="0"/>
-                <a:ea typeface="Roboto Mono for Powerline" charset="0"/>
-                <a:cs typeface="Roboto Mono for Powerline" charset="0"/>
-              </a:rPr>
-              <a:t>microservice</a:t>
-            </a:r>
-            <a:r>
-              <a:rPr lang="en-US" sz="2800" dirty="0" smtClean="0">
-                <a:solidFill>
-                  <a:srgbClr val="FFC153"/>
-                </a:solidFill>
-                <a:latin typeface="Roboto Mono for Powerline" charset="0"/>
-                <a:ea typeface="Roboto Mono for Powerline" charset="0"/>
-                <a:cs typeface="Roboto Mono for Powerline" charset="0"/>
-              </a:rPr>
-              <a:t> </a:t>
-            </a:r>
-            <a:r>
-              <a:rPr lang="en-US" sz="2800" dirty="0">
-                <a:solidFill>
-                  <a:srgbClr val="FFC153"/>
-                </a:solidFill>
-                <a:latin typeface="Roboto Mono for Powerline" charset="0"/>
-                <a:ea typeface="Roboto Mono for Powerline" charset="0"/>
-                <a:cs typeface="Roboto Mono for Powerline" charset="0"/>
-              </a:rPr>
-              <a:t>and hexagonal architecture over monolithic </a:t>
-            </a:r>
-            <a:r>
-              <a:rPr lang="en-US" sz="2800" dirty="0" smtClean="0">
-                <a:solidFill>
-                  <a:srgbClr val="FFC153"/>
-                </a:solidFill>
-                <a:latin typeface="Roboto Mono for Powerline" charset="0"/>
-                <a:ea typeface="Roboto Mono for Powerline" charset="0"/>
-                <a:cs typeface="Roboto Mono for Powerline" charset="0"/>
-              </a:rPr>
-              <a:t>architecture </a:t>
-            </a:r>
-            <a:r>
-              <a:rPr lang="en-US" sz="2800" dirty="0" smtClean="0">
-                <a:solidFill>
-                  <a:srgbClr val="EC6B56"/>
-                </a:solidFill>
-                <a:latin typeface="Roboto Mono for Powerline" charset="0"/>
-                <a:ea typeface="Roboto Mono for Powerline" charset="0"/>
-                <a:cs typeface="Roboto Mono for Powerline" charset="0"/>
-              </a:rPr>
-              <a:t>(and for good reason)</a:t>
-            </a:r>
-          </a:p>
-          <a:p>
-            <a:pPr marL="457200" indent="-457200" algn="l">
-              <a:lnSpc>
-                <a:spcPct val="120000"/>
-              </a:lnSpc>
-              <a:buFontTx/>
-              <a:buChar char="-"/>
+              <a:rPr lang="en-US" dirty="0" smtClean="0">
+                <a:solidFill>
+                  <a:srgbClr val="FFC153"/>
+                </a:solidFill>
+                <a:latin typeface="Roboto Mono for Powerline" charset="0"/>
+                <a:ea typeface="Roboto Mono for Powerline" charset="0"/>
+                <a:cs typeface="Roboto Mono for Powerline" charset="0"/>
+              </a:rPr>
+              <a:t>a - Trivial</a:t>
+            </a:r>
+          </a:p>
+          <a:p>
+            <a:pPr algn="l">
+              <a:lnSpc>
+                <a:spcPct val="100000"/>
+              </a:lnSpc>
             </a:pPr>
             <a:r>
-              <a:rPr lang="en-US" sz="2800" dirty="0" smtClean="0">
-                <a:solidFill>
-                  <a:srgbClr val="FFC153"/>
-                </a:solidFill>
-                <a:latin typeface="Roboto Mono for Powerline" charset="0"/>
-                <a:ea typeface="Roboto Mono for Powerline" charset="0"/>
-                <a:cs typeface="Roboto Mono for Powerline" charset="0"/>
-              </a:rPr>
-              <a:t>we </a:t>
-            </a:r>
-            <a:r>
-              <a:rPr lang="en-US" sz="2800" dirty="0">
-                <a:solidFill>
-                  <a:srgbClr val="FFC153"/>
-                </a:solidFill>
-                <a:latin typeface="Roboto Mono for Powerline" charset="0"/>
-                <a:ea typeface="Roboto Mono for Powerline" charset="0"/>
-                <a:cs typeface="Roboto Mono for Powerline" charset="0"/>
-              </a:rPr>
-              <a:t>have a huge variation in </a:t>
-            </a:r>
-            <a:r>
-              <a:rPr lang="en-US" sz="2800" dirty="0" smtClean="0">
-                <a:solidFill>
-                  <a:srgbClr val="FFC153"/>
-                </a:solidFill>
-                <a:latin typeface="Roboto Mono for Powerline" charset="0"/>
-                <a:ea typeface="Roboto Mono for Powerline" charset="0"/>
-                <a:cs typeface="Roboto Mono for Powerline" charset="0"/>
-              </a:rPr>
-              <a:t>experiences </a:t>
-            </a:r>
-            <a:r>
-              <a:rPr lang="en-US" sz="2800" dirty="0">
-                <a:solidFill>
-                  <a:srgbClr val="FFC153"/>
-                </a:solidFill>
-                <a:latin typeface="Roboto Mono for Powerline" charset="0"/>
-                <a:ea typeface="Roboto Mono for Powerline" charset="0"/>
-                <a:cs typeface="Roboto Mono for Powerline" charset="0"/>
-              </a:rPr>
-              <a:t>now (mobile, tablet, IOT device, desktop, voice assistant) all querying the same </a:t>
-            </a:r>
-            <a:r>
-              <a:rPr lang="en-US" sz="2800" dirty="0" smtClean="0">
-                <a:solidFill>
-                  <a:srgbClr val="FFC153"/>
-                </a:solidFill>
-                <a:latin typeface="Roboto Mono for Powerline" charset="0"/>
-                <a:ea typeface="Roboto Mono for Powerline" charset="0"/>
-                <a:cs typeface="Roboto Mono for Powerline" charset="0"/>
-              </a:rPr>
-              <a:t>resources</a:t>
-            </a:r>
-          </a:p>
-          <a:p>
-            <a:pPr marL="457200" indent="-457200" algn="l">
-              <a:lnSpc>
-                <a:spcPct val="120000"/>
-              </a:lnSpc>
-              <a:buFontTx/>
-              <a:buChar char="-"/>
+              <a:rPr lang="en-US" dirty="0" smtClean="0">
+                <a:solidFill>
+                  <a:srgbClr val="FFC153"/>
+                </a:solidFill>
+                <a:latin typeface="Roboto Mono for Powerline" charset="0"/>
+                <a:ea typeface="Roboto Mono for Powerline" charset="0"/>
+                <a:cs typeface="Roboto Mono for Powerline" charset="0"/>
+              </a:rPr>
+              <a:t>b - Meh</a:t>
+            </a:r>
+          </a:p>
+          <a:p>
+            <a:pPr algn="l">
+              <a:lnSpc>
+                <a:spcPct val="100000"/>
+              </a:lnSpc>
             </a:pPr>
             <a:r>
-              <a:rPr lang="en-US" sz="2800" dirty="0" smtClean="0">
-                <a:solidFill>
-                  <a:srgbClr val="FFC153"/>
-                </a:solidFill>
-                <a:latin typeface="Roboto Mono for Powerline" charset="0"/>
-                <a:ea typeface="Roboto Mono for Powerline" charset="0"/>
-                <a:cs typeface="Roboto Mono for Powerline" charset="0"/>
-              </a:rPr>
-              <a:t>we </a:t>
-            </a:r>
-            <a:r>
-              <a:rPr lang="en-US" sz="2800" dirty="0">
-                <a:solidFill>
-                  <a:srgbClr val="FFC153"/>
-                </a:solidFill>
-                <a:latin typeface="Roboto Mono for Powerline" charset="0"/>
-                <a:ea typeface="Roboto Mono for Powerline" charset="0"/>
-                <a:cs typeface="Roboto Mono for Powerline" charset="0"/>
-              </a:rPr>
-              <a:t>have Third Party APIs that do certain challenging things really well so that we don't have to </a:t>
-            </a:r>
-            <a:r>
-              <a:rPr lang="en-US" sz="2800" dirty="0" smtClean="0">
-                <a:solidFill>
-                  <a:srgbClr val="FFC153"/>
-                </a:solidFill>
-                <a:latin typeface="Roboto Mono for Powerline" charset="0"/>
-                <a:ea typeface="Roboto Mono for Powerline" charset="0"/>
-                <a:cs typeface="Roboto Mono for Powerline" charset="0"/>
-              </a:rPr>
-              <a:t>anymore</a:t>
-            </a:r>
-            <a:br>
-              <a:rPr lang="en-US" sz="2800" dirty="0" smtClean="0">
-                <a:solidFill>
-                  <a:srgbClr val="FFC153"/>
-                </a:solidFill>
-                <a:latin typeface="Roboto Mono for Powerline" charset="0"/>
-                <a:ea typeface="Roboto Mono for Powerline" charset="0"/>
-                <a:cs typeface="Roboto Mono for Powerline" charset="0"/>
-              </a:rPr>
-            </a:br>
-            <a:endParaRPr lang="en-US" sz="2800" dirty="0" smtClean="0">
+              <a:rPr lang="en-US" dirty="0" smtClean="0">
+                <a:solidFill>
+                  <a:srgbClr val="FFC153"/>
+                </a:solidFill>
+                <a:latin typeface="Roboto Mono for Powerline" charset="0"/>
+                <a:ea typeface="Roboto Mono for Powerline" charset="0"/>
+                <a:cs typeface="Roboto Mono for Powerline" charset="0"/>
+              </a:rPr>
+              <a:t>c - Reasonably difficult</a:t>
+            </a:r>
+          </a:p>
+          <a:p>
+            <a:pPr algn="l">
+              <a:lnSpc>
+                <a:spcPct val="100000"/>
+              </a:lnSpc>
+            </a:pPr>
+            <a:r>
+              <a:rPr lang="en-US" dirty="0" smtClean="0">
+                <a:solidFill>
+                  <a:srgbClr val="FFC153"/>
+                </a:solidFill>
+                <a:latin typeface="Roboto Mono for Powerline" charset="0"/>
+                <a:ea typeface="Roboto Mono for Powerline" charset="0"/>
+                <a:cs typeface="Roboto Mono for Powerline" charset="0"/>
+              </a:rPr>
+              <a:t>d - Very difficult</a:t>
+            </a:r>
+            <a:endParaRPr lang="en-US" dirty="0" smtClean="0">
               <a:solidFill>
                 <a:srgbClr val="FFC153"/>
               </a:solidFill>
@@ -6630,214 +7989,12 @@
               <a:cs typeface="Roboto Mono for Powerline" charset="0"/>
             </a:endParaRPr>
           </a:p>
-          <a:p>
-            <a:pPr marL="914400" lvl="1" indent="-457200" algn="l">
-              <a:lnSpc>
-                <a:spcPct val="120000"/>
-              </a:lnSpc>
-              <a:buFontTx/>
-              <a:buChar char="-"/>
-            </a:pPr>
-            <a:r>
-              <a:rPr lang="en-US" dirty="0" err="1" smtClean="0">
-                <a:solidFill>
-                  <a:srgbClr val="16BC9C"/>
-                </a:solidFill>
-                <a:latin typeface="Roboto Mono for Powerline" charset="0"/>
-                <a:ea typeface="Roboto Mono for Powerline" charset="0"/>
-                <a:cs typeface="Roboto Mono for Powerline" charset="0"/>
-              </a:rPr>
-              <a:t>Twilio</a:t>
-            </a:r>
-            <a:r>
-              <a:rPr lang="en-US" dirty="0">
-                <a:solidFill>
-                  <a:srgbClr val="16BC9C"/>
-                </a:solidFill>
-                <a:latin typeface="Roboto Mono for Powerline" charset="0"/>
-                <a:ea typeface="Roboto Mono for Powerline" charset="0"/>
-                <a:cs typeface="Roboto Mono for Powerline" charset="0"/>
-              </a:rPr>
-              <a:t>: handles texting &amp; automated voice calls from your apps  </a:t>
-            </a:r>
-            <a:endParaRPr lang="en-US" dirty="0" smtClean="0">
-              <a:solidFill>
-                <a:srgbClr val="16BC9C"/>
-              </a:solidFill>
-              <a:latin typeface="Roboto Mono for Powerline" charset="0"/>
-              <a:ea typeface="Roboto Mono for Powerline" charset="0"/>
-              <a:cs typeface="Roboto Mono for Powerline" charset="0"/>
-            </a:endParaRPr>
-          </a:p>
-          <a:p>
-            <a:pPr marL="914400" lvl="1" indent="-457200" algn="l">
-              <a:lnSpc>
-                <a:spcPct val="120000"/>
-              </a:lnSpc>
-              <a:buFontTx/>
-              <a:buChar char="-"/>
-            </a:pPr>
-            <a:r>
-              <a:rPr lang="en-US" dirty="0" smtClean="0">
-                <a:solidFill>
-                  <a:srgbClr val="16BC9C"/>
-                </a:solidFill>
-                <a:latin typeface="Roboto Mono for Powerline" charset="0"/>
-                <a:ea typeface="Roboto Mono for Powerline" charset="0"/>
-                <a:cs typeface="Roboto Mono for Powerline" charset="0"/>
-              </a:rPr>
-              <a:t>Braintree</a:t>
-            </a:r>
-            <a:r>
-              <a:rPr lang="en-US" dirty="0">
-                <a:solidFill>
-                  <a:srgbClr val="16BC9C"/>
-                </a:solidFill>
-                <a:latin typeface="Roboto Mono for Powerline" charset="0"/>
-                <a:ea typeface="Roboto Mono for Powerline" charset="0"/>
-                <a:cs typeface="Roboto Mono for Powerline" charset="0"/>
-              </a:rPr>
-              <a:t>: handles monetary transactions  </a:t>
-            </a:r>
-            <a:endParaRPr lang="en-US" dirty="0" smtClean="0">
-              <a:solidFill>
-                <a:srgbClr val="16BC9C"/>
-              </a:solidFill>
-              <a:latin typeface="Roboto Mono for Powerline" charset="0"/>
-              <a:ea typeface="Roboto Mono for Powerline" charset="0"/>
-              <a:cs typeface="Roboto Mono for Powerline" charset="0"/>
-            </a:endParaRPr>
-          </a:p>
-          <a:p>
-            <a:pPr marL="914400" lvl="1" indent="-457200" algn="l">
-              <a:lnSpc>
-                <a:spcPct val="120000"/>
-              </a:lnSpc>
-              <a:buFontTx/>
-              <a:buChar char="-"/>
-            </a:pPr>
-            <a:r>
-              <a:rPr lang="en-US" dirty="0" smtClean="0">
-                <a:solidFill>
-                  <a:srgbClr val="16BC9C"/>
-                </a:solidFill>
-                <a:latin typeface="Roboto Mono for Powerline" charset="0"/>
-                <a:ea typeface="Roboto Mono for Powerline" charset="0"/>
-                <a:cs typeface="Roboto Mono for Powerline" charset="0"/>
-              </a:rPr>
-              <a:t>Auth0</a:t>
-            </a:r>
-            <a:r>
-              <a:rPr lang="en-US" dirty="0">
-                <a:solidFill>
-                  <a:srgbClr val="16BC9C"/>
-                </a:solidFill>
-                <a:latin typeface="Roboto Mono for Powerline" charset="0"/>
-                <a:ea typeface="Roboto Mono for Powerline" charset="0"/>
-                <a:cs typeface="Roboto Mono for Powerline" charset="0"/>
-              </a:rPr>
-              <a:t>: handles authentication and user account management  </a:t>
-            </a:r>
-            <a:endParaRPr lang="en-US" dirty="0" smtClean="0">
-              <a:solidFill>
-                <a:srgbClr val="16BC9C"/>
-              </a:solidFill>
-              <a:latin typeface="Roboto Mono for Powerline" charset="0"/>
-              <a:ea typeface="Roboto Mono for Powerline" charset="0"/>
-              <a:cs typeface="Roboto Mono for Powerline" charset="0"/>
-            </a:endParaRPr>
-          </a:p>
-          <a:p>
-            <a:pPr marL="914400" lvl="1" indent="-457200" algn="l">
-              <a:lnSpc>
-                <a:spcPct val="120000"/>
-              </a:lnSpc>
-              <a:buFontTx/>
-              <a:buChar char="-"/>
-            </a:pPr>
-            <a:r>
-              <a:rPr lang="en-US" dirty="0" err="1" smtClean="0">
-                <a:solidFill>
-                  <a:srgbClr val="16BC9C"/>
-                </a:solidFill>
-                <a:latin typeface="Roboto Mono for Powerline" charset="0"/>
-                <a:ea typeface="Roboto Mono for Powerline" charset="0"/>
-                <a:cs typeface="Roboto Mono for Powerline" charset="0"/>
-              </a:rPr>
-              <a:t>Goole</a:t>
-            </a:r>
-            <a:r>
-              <a:rPr lang="en-US" dirty="0" smtClean="0">
-                <a:solidFill>
-                  <a:srgbClr val="16BC9C"/>
-                </a:solidFill>
-                <a:latin typeface="Roboto Mono for Powerline" charset="0"/>
-                <a:ea typeface="Roboto Mono for Powerline" charset="0"/>
-                <a:cs typeface="Roboto Mono for Powerline" charset="0"/>
-              </a:rPr>
-              <a:t>/Amazon/IBM/Microsoft </a:t>
-            </a:r>
-            <a:r>
-              <a:rPr lang="en-US" dirty="0">
-                <a:solidFill>
-                  <a:srgbClr val="16BC9C"/>
-                </a:solidFill>
-                <a:latin typeface="Roboto Mono for Powerline" charset="0"/>
-                <a:ea typeface="Roboto Mono for Powerline" charset="0"/>
-                <a:cs typeface="Roboto Mono for Powerline" charset="0"/>
-              </a:rPr>
-              <a:t>Cloud: various AI </a:t>
-            </a:r>
-            <a:r>
-              <a:rPr lang="en-US" dirty="0" smtClean="0">
-                <a:solidFill>
-                  <a:srgbClr val="16BC9C"/>
-                </a:solidFill>
-                <a:latin typeface="Roboto Mono for Powerline" charset="0"/>
-                <a:ea typeface="Roboto Mono for Powerline" charset="0"/>
-                <a:cs typeface="Roboto Mono for Powerline" charset="0"/>
-              </a:rPr>
-              <a:t>related APIs</a:t>
-            </a:r>
-            <a:endParaRPr lang="en-US" dirty="0" smtClean="0">
-              <a:solidFill>
-                <a:srgbClr val="16BC9C"/>
-              </a:solidFill>
-              <a:latin typeface="Roboto Mono for Powerline" charset="0"/>
-              <a:ea typeface="Roboto Mono for Powerline" charset="0"/>
-              <a:cs typeface="Roboto Mono for Powerline" charset="0"/>
-            </a:endParaRPr>
-          </a:p>
         </p:txBody>
       </p:sp>
-      <p:pic>
-        <p:nvPicPr>
-          <p:cNvPr id="2" name="Picture 1"/>
-          <p:cNvPicPr>
-            <a:picLocks noChangeAspect="1"/>
-          </p:cNvPicPr>
-          <p:nvPr/>
-        </p:nvPicPr>
-        <p:blipFill>
-          <a:blip r:embed="rId2"/>
-          <a:stretch>
-            <a:fillRect/>
-          </a:stretch>
-        </p:blipFill>
-        <p:spPr>
-          <a:xfrm>
-            <a:off x="7350826" y="2466072"/>
-            <a:ext cx="4512714" cy="3097518"/>
-          </a:xfrm>
-          <a:prstGeom prst="rect">
-            <a:avLst/>
-          </a:prstGeom>
-        </p:spPr>
-      </p:pic>
     </p:spTree>
     <p:extLst>
       <p:ext uri="{BB962C8B-B14F-4D97-AF65-F5344CB8AC3E}">
-        <p14:creationId xmlns:p14="http://schemas.microsoft.com/office/powerpoint/2010/main" val="1517441424"/>
+        <p14:creationId xmlns:p14="http://schemas.microsoft.com/office/powerpoint/2010/main" val="338322842"/>
       </p:ext>
     </p:extLst>
   </p:cSld>
@@ -6891,8 +8048,8 @@
         </p:nvSpPr>
         <p:spPr>
           <a:xfrm>
-            <a:off x="285008" y="722993"/>
-            <a:ext cx="11621984" cy="5412014"/>
+            <a:off x="201880" y="748309"/>
+            <a:ext cx="4846985" cy="5302003"/>
           </a:xfrm>
         </p:spPr>
         <p:txBody>
@@ -6901,81 +8058,118 @@
           </a:bodyPr>
           <a:lstStyle/>
           <a:p>
-            <a:pPr>
+            <a:pPr algn="l">
               <a:lnSpc>
                 <a:spcPct val="120000"/>
               </a:lnSpc>
             </a:pPr>
             <a:r>
-              <a:rPr lang="en-US" sz="6600" dirty="0" smtClean="0">
-                <a:solidFill>
-                  <a:srgbClr val="16BC9C"/>
-                </a:solidFill>
-                <a:latin typeface="Roboto Mono for Powerline" charset="0"/>
-                <a:ea typeface="Roboto Mono for Powerline" charset="0"/>
-                <a:cs typeface="Roboto Mono for Powerline" charset="0"/>
-              </a:rPr>
-              <a:t>Our problems, in layman's:</a:t>
-            </a:r>
-          </a:p>
-          <a:p>
-            <a:pPr>
+              <a:rPr lang="en-US" sz="5400" dirty="0" smtClean="0">
+                <a:solidFill>
+                  <a:srgbClr val="FFC153"/>
+                </a:solidFill>
+                <a:latin typeface="Roboto Mono for Powerline" charset="0"/>
+                <a:ea typeface="Roboto Mono for Powerline" charset="0"/>
+                <a:cs typeface="Roboto Mono for Powerline" charset="0"/>
+              </a:rPr>
+              <a:t>It replaces </a:t>
+            </a:r>
+            <a:r>
+              <a:rPr lang="en-US" sz="5400" dirty="0" smtClean="0">
+                <a:solidFill>
+                  <a:srgbClr val="EC6B56"/>
+                </a:solidFill>
+                <a:latin typeface="Roboto Mono for Powerline" charset="0"/>
+                <a:ea typeface="Roboto Mono for Powerline" charset="0"/>
+                <a:cs typeface="Roboto Mono for Powerline" charset="0"/>
+              </a:rPr>
+              <a:t>REST APIs! </a:t>
+            </a:r>
+            <a:r>
+              <a:rPr lang="en-US" sz="5400" dirty="0" smtClean="0">
+                <a:solidFill>
+                  <a:srgbClr val="FFC153"/>
+                </a:solidFill>
+                <a:latin typeface="Roboto Mono for Powerline" charset="0"/>
+                <a:ea typeface="Roboto Mono for Powerline" charset="0"/>
+                <a:cs typeface="Roboto Mono for Powerline" charset="0"/>
+              </a:rPr>
+              <a:t>(or can be used to manage multiple separate REST APIs)</a:t>
+            </a:r>
+          </a:p>
+          <a:p>
+            <a:pPr marL="685800" indent="-685800" algn="l">
               <a:lnSpc>
                 <a:spcPct val="120000"/>
               </a:lnSpc>
+              <a:buFontTx/>
+              <a:buChar char="-"/>
             </a:pPr>
             <a:r>
-              <a:rPr lang="en-US" sz="6600" dirty="0">
-                <a:solidFill>
-                  <a:srgbClr val="FFC153"/>
-                </a:solidFill>
-                <a:latin typeface="Roboto Mono for Powerline" charset="0"/>
-                <a:ea typeface="Roboto Mono for Powerline" charset="0"/>
-                <a:cs typeface="Roboto Mono for Powerline" charset="0"/>
-              </a:rPr>
-              <a:t>O</a:t>
-            </a:r>
-            <a:r>
-              <a:rPr lang="en-US" sz="6600" dirty="0" smtClean="0">
-                <a:solidFill>
-                  <a:srgbClr val="FFC153"/>
-                </a:solidFill>
-                <a:latin typeface="Roboto Mono for Powerline" charset="0"/>
-                <a:ea typeface="Roboto Mono for Powerline" charset="0"/>
-                <a:cs typeface="Roboto Mono for Powerline" charset="0"/>
-              </a:rPr>
-              <a:t>ur apps are talking to a lot of things, and then those things are talking to other things. Some of those things are inside a database that we own and some aren’t. Some of those things get searched through multiple times even when its not necessary. Som</a:t>
-            </a:r>
-            <a:r>
-              <a:rPr lang="en-US" sz="6600" dirty="0" smtClean="0">
-                <a:solidFill>
-                  <a:srgbClr val="FFC153"/>
-                </a:solidFill>
-                <a:latin typeface="Roboto Mono for Powerline" charset="0"/>
-                <a:ea typeface="Roboto Mono for Powerline" charset="0"/>
-                <a:cs typeface="Roboto Mono for Powerline" charset="0"/>
-              </a:rPr>
-              <a:t>e of those lookups hog more resources than they need to. Sometimes we need to change the types of things we are looking for while simultaneously NOT breaking how we are already looking for things.</a:t>
-            </a:r>
-          </a:p>
-          <a:p>
-            <a:pPr>
+              <a:rPr lang="en-US" sz="5400" dirty="0" smtClean="0">
+                <a:solidFill>
+                  <a:srgbClr val="FFC153"/>
+                </a:solidFill>
+                <a:latin typeface="Roboto Mono for Powerline" charset="0"/>
+                <a:ea typeface="Roboto Mono for Powerline" charset="0"/>
+                <a:cs typeface="Roboto Mono for Powerline" charset="0"/>
+              </a:rPr>
+              <a:t>it </a:t>
+            </a:r>
+            <a:r>
+              <a:rPr lang="en-US" sz="5400" dirty="0">
+                <a:solidFill>
+                  <a:srgbClr val="FFC153"/>
+                </a:solidFill>
+                <a:latin typeface="Roboto Mono for Powerline" charset="0"/>
+                <a:ea typeface="Roboto Mono for Powerline" charset="0"/>
+                <a:cs typeface="Roboto Mono for Powerline" charset="0"/>
+              </a:rPr>
+              <a:t>can be used in conjunction with existing </a:t>
+            </a:r>
+            <a:r>
+              <a:rPr lang="en-US" sz="5400" dirty="0" smtClean="0">
+                <a:solidFill>
+                  <a:srgbClr val="FFC153"/>
+                </a:solidFill>
+                <a:latin typeface="Roboto Mono for Powerline" charset="0"/>
+                <a:ea typeface="Roboto Mono for Powerline" charset="0"/>
+                <a:cs typeface="Roboto Mono for Powerline" charset="0"/>
+              </a:rPr>
+              <a:t>technology</a:t>
+            </a:r>
+          </a:p>
+          <a:p>
+            <a:pPr marL="685800" indent="-685800" algn="l">
               <a:lnSpc>
                 <a:spcPct val="120000"/>
               </a:lnSpc>
+              <a:buFontTx/>
+              <a:buChar char="-"/>
             </a:pPr>
             <a:r>
-              <a:rPr lang="en-US" sz="6600" dirty="0" smtClean="0">
-                <a:solidFill>
-                  <a:srgbClr val="FFC153"/>
-                </a:solidFill>
-                <a:latin typeface="Roboto Mono for Powerline" charset="0"/>
-                <a:ea typeface="Roboto Mono for Powerline" charset="0"/>
-                <a:cs typeface="Roboto Mono for Powerline" charset="0"/>
-              </a:rPr>
-              <a:t>Sometimes we do not get all of the things and we don’t know why.</a:t>
-            </a:r>
-            <a:endParaRPr lang="en-US" sz="6600" dirty="0" smtClean="0">
+              <a:rPr lang="en-US" sz="5400" dirty="0" smtClean="0">
+                <a:solidFill>
+                  <a:srgbClr val="FFC153"/>
+                </a:solidFill>
+                <a:latin typeface="Roboto Mono for Powerline" charset="0"/>
+                <a:ea typeface="Roboto Mono for Powerline" charset="0"/>
+                <a:cs typeface="Roboto Mono for Powerline" charset="0"/>
+              </a:rPr>
+              <a:t>it is shown to be </a:t>
+            </a:r>
+            <a:r>
+              <a:rPr lang="en-US" sz="5400" dirty="0">
+                <a:solidFill>
+                  <a:srgbClr val="FFC153"/>
+                </a:solidFill>
+                <a:latin typeface="Roboto Mono for Powerline" charset="0"/>
+                <a:ea typeface="Roboto Mono for Powerline" charset="0"/>
+                <a:cs typeface="Roboto Mono for Powerline" charset="0"/>
+              </a:rPr>
+              <a:t>highly performant, more maintainable, more scalable and more efficient in place of REST</a:t>
+            </a:r>
+            <a:endParaRPr lang="en-US" sz="5400" dirty="0" smtClean="0">
               <a:solidFill>
                 <a:srgbClr val="FFC153"/>
               </a:solidFill>
@@ -6984,12 +8178,66 @@
               <a:cs typeface="Roboto Mono for Powerline" charset="0"/>
             </a:endParaRPr>
           </a:p>
+          <a:p>
+            <a:pPr algn="l">
+              <a:lnSpc>
+                <a:spcPct val="120000"/>
+              </a:lnSpc>
+            </a:pPr>
+            <a:endParaRPr lang="en-US" sz="5400" dirty="0" smtClean="0">
+              <a:solidFill>
+                <a:srgbClr val="FFC153"/>
+              </a:solidFill>
+              <a:latin typeface="Roboto Mono for Powerline" charset="0"/>
+              <a:ea typeface="Roboto Mono for Powerline" charset="0"/>
+              <a:cs typeface="Roboto Mono for Powerline" charset="0"/>
+            </a:endParaRPr>
+          </a:p>
+          <a:p>
+            <a:pPr algn="l">
+              <a:lnSpc>
+                <a:spcPct val="120000"/>
+              </a:lnSpc>
+            </a:pPr>
+            <a:endParaRPr lang="en-US" sz="5400" dirty="0" smtClean="0">
+              <a:solidFill>
+                <a:srgbClr val="FFC153"/>
+              </a:solidFill>
+              <a:latin typeface="Roboto Mono for Powerline" charset="0"/>
+              <a:ea typeface="Roboto Mono for Powerline" charset="0"/>
+              <a:cs typeface="Roboto Mono for Powerline" charset="0"/>
+            </a:endParaRPr>
+          </a:p>
         </p:txBody>
       </p:sp>
+      <p:pic>
+        <p:nvPicPr>
+          <p:cNvPr id="2" name="Picture 1"/>
+          <p:cNvPicPr>
+            <a:picLocks noChangeAspect="1"/>
+          </p:cNvPicPr>
+          <p:nvPr/>
+        </p:nvPicPr>
+        <p:blipFill>
+          <a:blip r:embed="rId2"/>
+          <a:stretch>
+            <a:fillRect/>
+          </a:stretch>
+        </p:blipFill>
+        <p:spPr>
+          <a:xfrm>
+            <a:off x="5250746" y="688768"/>
+            <a:ext cx="6574342" cy="5421086"/>
+          </a:xfrm>
+          <a:prstGeom prst="rect">
+            <a:avLst/>
+          </a:prstGeom>
+        </p:spPr>
+      </p:pic>
     </p:spTree>
     <p:extLst>
       <p:ext uri="{BB962C8B-B14F-4D97-AF65-F5344CB8AC3E}">
-        <p14:creationId xmlns:p14="http://schemas.microsoft.com/office/powerpoint/2010/main" val="1333079602"/>
+        <p14:creationId xmlns:p14="http://schemas.microsoft.com/office/powerpoint/2010/main" val="66747622"/>
       </p:ext>
     </p:extLst>
   </p:cSld>
